--- a/Task 1.pptx
+++ b/Task 1.pptx
@@ -7,6 +7,14 @@
   <p:sldIdLst>
     <p:sldId id="256" r:id="rId2"/>
     <p:sldId id="257" r:id="rId3"/>
+    <p:sldId id="260" r:id="rId4"/>
+    <p:sldId id="259" r:id="rId5"/>
+    <p:sldId id="258" r:id="rId6"/>
+    <p:sldId id="261" r:id="rId7"/>
+    <p:sldId id="262" r:id="rId8"/>
+    <p:sldId id="263" r:id="rId9"/>
+    <p:sldId id="264" r:id="rId10"/>
+    <p:sldId id="265" r:id="rId11"/>
   </p:sldIdLst>
   <p:sldSz cx="12192000" cy="6858000"/>
   <p:notesSz cx="6858000" cy="9144000"/>
@@ -20843,7 +20851,7 @@
         </p:blipFill>
         <p:spPr>
           <a:xfrm>
-            <a:off x="5574042" y="-29541"/>
+            <a:off x="5574042" y="243020"/>
             <a:ext cx="6627102" cy="3964879"/>
           </a:xfrm>
           <a:prstGeom prst="rect">
@@ -20925,7 +20933,7 @@
         </p:blipFill>
         <p:spPr>
           <a:xfrm>
-            <a:off x="416560" y="154054"/>
+            <a:off x="416560" y="629542"/>
             <a:ext cx="4896104" cy="3147496"/>
           </a:xfrm>
           <a:prstGeom prst="rect">
@@ -20937,6 +20945,113 @@
     <p:extLst>
       <p:ext uri="{BB962C8B-B14F-4D97-AF65-F5344CB8AC3E}">
         <p14:creationId xmlns:p14="http://schemas.microsoft.com/office/powerpoint/2010/main" val="3910618955"/>
+      </p:ext>
+    </p:extLst>
+  </p:cSld>
+  <p:clrMapOvr>
+    <a:masterClrMapping/>
+  </p:clrMapOvr>
+</p:sld>
+</file>
+
+<file path=ppt/slides/slide10.xml><?xml version="1.0" encoding="utf-8"?>
+<p:sld xmlns:a="http://schemas.openxmlformats.org/drawingml/2006/main" xmlns:r="http://schemas.openxmlformats.org/officeDocument/2006/relationships" xmlns:p="http://schemas.openxmlformats.org/presentationml/2006/main">
+  <p:cSld>
+    <p:spTree>
+      <p:nvGrpSpPr>
+        <p:cNvPr id="1" name=""/>
+        <p:cNvGrpSpPr/>
+        <p:nvPr/>
+      </p:nvGrpSpPr>
+      <p:grpSpPr>
+        <a:xfrm>
+          <a:off x="0" y="0"/>
+          <a:ext cx="0" cy="0"/>
+          <a:chOff x="0" y="0"/>
+          <a:chExt cx="0" cy="0"/>
+        </a:xfrm>
+      </p:grpSpPr>
+      <p:sp>
+        <p:nvSpPr>
+          <p:cNvPr id="2" name="Title 1">
+            <a:extLst>
+              <a:ext uri="{FF2B5EF4-FFF2-40B4-BE49-F238E27FC236}">
+                <a16:creationId xmlns:a16="http://schemas.microsoft.com/office/drawing/2014/main" id="{FBCFE05F-B209-174A-8BB2-3A3CA6EB3CF1}"/>
+              </a:ext>
+            </a:extLst>
+          </p:cNvPr>
+          <p:cNvSpPr>
+            <a:spLocks noGrp="1"/>
+          </p:cNvSpPr>
+          <p:nvPr>
+            <p:ph type="title"/>
+          </p:nvPr>
+        </p:nvSpPr>
+        <p:spPr/>
+        <p:txBody>
+          <a:bodyPr/>
+          <a:lstStyle/>
+          <a:p>
+            <a:r>
+              <a:rPr lang="en-US" dirty="0"/>
+              <a:t>Conclusions</a:t>
+            </a:r>
+          </a:p>
+        </p:txBody>
+      </p:sp>
+      <p:sp>
+        <p:nvSpPr>
+          <p:cNvPr id="3" name="Content Placeholder 2">
+            <a:extLst>
+              <a:ext uri="{FF2B5EF4-FFF2-40B4-BE49-F238E27FC236}">
+                <a16:creationId xmlns:a16="http://schemas.microsoft.com/office/drawing/2014/main" id="{14E80935-E627-F344-B7DF-F504BA672BE0}"/>
+              </a:ext>
+            </a:extLst>
+          </p:cNvPr>
+          <p:cNvSpPr>
+            <a:spLocks noGrp="1"/>
+          </p:cNvSpPr>
+          <p:nvPr>
+            <p:ph idx="1"/>
+          </p:nvPr>
+        </p:nvSpPr>
+        <p:spPr/>
+        <p:txBody>
+          <a:bodyPr/>
+          <a:lstStyle/>
+          <a:p>
+            <a:r>
+              <a:rPr lang="en-US" dirty="0"/>
+              <a:t>I anticipate that the project will take up to 15 days (2 weeks). </a:t>
+            </a:r>
+          </a:p>
+          <a:p>
+            <a:r>
+              <a:rPr lang="en-US" dirty="0"/>
+              <a:t>Most of the time will be invested in having a clear outline for the project (identifying goals and feasibility). </a:t>
+            </a:r>
+          </a:p>
+          <a:p>
+            <a:r>
+              <a:rPr lang="en-US" dirty="0"/>
+              <a:t>Training the team will take on average 3-5 or more days depending on availability of their time, and whether someone needs additional training.</a:t>
+            </a:r>
+          </a:p>
+          <a:p>
+            <a:r>
+              <a:rPr lang="en-US" dirty="0"/>
+              <a:t>Building the Data Pipeline and automating the Dashboard will take an average of 4-5 days. Designing the dashboard is a continuous work that will require future reiterations to improve design, and to implement new features that will help the team.</a:t>
+            </a:r>
+          </a:p>
+          <a:p>
+            <a:endParaRPr lang="en-US" dirty="0"/>
+          </a:p>
+        </p:txBody>
+      </p:sp>
+    </p:spTree>
+    <p:extLst>
+      <p:ext uri="{BB962C8B-B14F-4D97-AF65-F5344CB8AC3E}">
+        <p14:creationId xmlns:p14="http://schemas.microsoft.com/office/powerpoint/2010/main" val="2610603195"/>
       </p:ext>
     </p:extLst>
   </p:cSld>
@@ -20984,7 +21099,10 @@
           <a:bodyPr/>
           <a:lstStyle/>
           <a:p>
-            <a:endParaRPr lang="en-US"/>
+            <a:r>
+              <a:rPr lang="en-US" dirty="0"/>
+              <a:t>Task 1: Project Planning &amp; Architecture Design</a:t>
+            </a:r>
           </a:p>
         </p:txBody>
       </p:sp>
@@ -21006,10 +21124,77 @@
         </p:nvSpPr>
         <p:spPr/>
         <p:txBody>
-          <a:bodyPr/>
+          <a:bodyPr>
+            <a:normAutofit fontScale="92500"/>
+          </a:bodyPr>
           <a:lstStyle/>
           <a:p>
-            <a:endParaRPr lang="en-US"/>
+            <a:r>
+              <a:rPr lang="en-US" dirty="0"/>
+              <a:t>TPS’ Health asked you to figure out how to store notes from the weekly case management meetings within the Student Information System, Powerschool and visualize data.</a:t>
+            </a:r>
+          </a:p>
+          <a:p>
+            <a:endParaRPr lang="en-US" dirty="0"/>
+          </a:p>
+          <a:p>
+            <a:pPr marL="0" indent="0">
+              <a:buNone/>
+            </a:pPr>
+            <a:r>
+              <a:rPr lang="en-US" dirty="0"/>
+              <a:t>Steps: </a:t>
+            </a:r>
+          </a:p>
+          <a:p>
+            <a:pPr>
+              <a:buFont typeface="Arial" panose="020B0604020202020204" pitchFamily="34" charset="0"/>
+              <a:buChar char="•"/>
+            </a:pPr>
+            <a:r>
+              <a:rPr lang="en-US" dirty="0"/>
+              <a:t> Working with internal TPS stakeholders to understand the data they want to collect</a:t>
+            </a:r>
+          </a:p>
+          <a:p>
+            <a:pPr>
+              <a:buFont typeface="Arial" panose="020B0604020202020204" pitchFamily="34" charset="0"/>
+              <a:buChar char="•"/>
+            </a:pPr>
+            <a:r>
+              <a:rPr lang="en-US" dirty="0"/>
+              <a:t> Working with Powerschool customer success team to identify location to store the data.</a:t>
+            </a:r>
+          </a:p>
+          <a:p>
+            <a:pPr>
+              <a:buFont typeface="Arial" panose="020B0604020202020204" pitchFamily="34" charset="0"/>
+              <a:buChar char="•"/>
+            </a:pPr>
+            <a:r>
+              <a:rPr lang="en-US" dirty="0"/>
+              <a:t> Develop data entry process and train school site staff to do data entry.</a:t>
+            </a:r>
+          </a:p>
+          <a:p>
+            <a:pPr>
+              <a:buFont typeface="Arial" panose="020B0604020202020204" pitchFamily="34" charset="0"/>
+              <a:buChar char="•"/>
+            </a:pPr>
+            <a:r>
+              <a:rPr lang="en-US" dirty="0"/>
+              <a:t> Build data pipeline to extract data from Powerschool for reporting.</a:t>
+            </a:r>
+          </a:p>
+          <a:p>
+            <a:pPr>
+              <a:buFont typeface="Arial" panose="020B0604020202020204" pitchFamily="34" charset="0"/>
+              <a:buChar char="•"/>
+            </a:pPr>
+            <a:r>
+              <a:rPr lang="en-US" dirty="0"/>
+              <a:t> Build a set of Dashboards that facilitate data quality checks and impact. </a:t>
+            </a:r>
           </a:p>
         </p:txBody>
       </p:sp>
@@ -21017,6 +21202,2519 @@
     <p:extLst>
       <p:ext uri="{BB962C8B-B14F-4D97-AF65-F5344CB8AC3E}">
         <p14:creationId xmlns:p14="http://schemas.microsoft.com/office/powerpoint/2010/main" val="2139494743"/>
+      </p:ext>
+    </p:extLst>
+  </p:cSld>
+  <p:clrMapOvr>
+    <a:masterClrMapping/>
+  </p:clrMapOvr>
+</p:sld>
+</file>
+
+<file path=ppt/slides/slide3.xml><?xml version="1.0" encoding="utf-8"?>
+<p:sld xmlns:a="http://schemas.openxmlformats.org/drawingml/2006/main" xmlns:r="http://schemas.openxmlformats.org/officeDocument/2006/relationships" xmlns:p="http://schemas.openxmlformats.org/presentationml/2006/main">
+  <p:cSld>
+    <p:spTree>
+      <p:nvGrpSpPr>
+        <p:cNvPr id="1" name=""/>
+        <p:cNvGrpSpPr/>
+        <p:nvPr/>
+      </p:nvGrpSpPr>
+      <p:grpSpPr>
+        <a:xfrm>
+          <a:off x="0" y="0"/>
+          <a:ext cx="0" cy="0"/>
+          <a:chOff x="0" y="0"/>
+          <a:chExt cx="0" cy="0"/>
+        </a:xfrm>
+      </p:grpSpPr>
+      <p:sp>
+        <p:nvSpPr>
+          <p:cNvPr id="2" name="Title 1">
+            <a:extLst>
+              <a:ext uri="{FF2B5EF4-FFF2-40B4-BE49-F238E27FC236}">
+                <a16:creationId xmlns:a16="http://schemas.microsoft.com/office/drawing/2014/main" id="{E77DCD4C-5243-4843-9307-33459DAE7C4E}"/>
+              </a:ext>
+            </a:extLst>
+          </p:cNvPr>
+          <p:cNvSpPr>
+            <a:spLocks noGrp="1"/>
+          </p:cNvSpPr>
+          <p:nvPr>
+            <p:ph type="title"/>
+          </p:nvPr>
+        </p:nvSpPr>
+        <p:spPr/>
+        <p:txBody>
+          <a:bodyPr/>
+          <a:lstStyle/>
+          <a:p>
+            <a:r>
+              <a:rPr lang="en-US" dirty="0"/>
+              <a:t>Project Timeline</a:t>
+            </a:r>
+          </a:p>
+        </p:txBody>
+      </p:sp>
+      <p:sp>
+        <p:nvSpPr>
+          <p:cNvPr id="30" name="Rectangle 29">
+            <a:extLst>
+              <a:ext uri="{FF2B5EF4-FFF2-40B4-BE49-F238E27FC236}">
+                <a16:creationId xmlns:a16="http://schemas.microsoft.com/office/drawing/2014/main" id="{AD8BECE4-0FDF-CB40-B63A-F7420C16D21C}"/>
+              </a:ext>
+            </a:extLst>
+          </p:cNvPr>
+          <p:cNvSpPr/>
+          <p:nvPr/>
+        </p:nvSpPr>
+        <p:spPr>
+          <a:xfrm>
+            <a:off x="231734" y="2357670"/>
+            <a:ext cx="1663092" cy="1071329"/>
+          </a:xfrm>
+          <a:prstGeom prst="rect">
+            <a:avLst/>
+          </a:prstGeom>
+          <a:solidFill>
+            <a:schemeClr val="accent1">
+              <a:alpha val="57000"/>
+            </a:schemeClr>
+          </a:solidFill>
+          <a:ln>
+            <a:solidFill>
+              <a:schemeClr val="accent1">
+                <a:shade val="50000"/>
+              </a:schemeClr>
+            </a:solidFill>
+          </a:ln>
+        </p:spPr>
+        <p:style>
+          <a:lnRef idx="2">
+            <a:schemeClr val="accent1">
+              <a:shade val="50000"/>
+            </a:schemeClr>
+          </a:lnRef>
+          <a:fillRef idx="1">
+            <a:schemeClr val="accent1"/>
+          </a:fillRef>
+          <a:effectRef idx="0">
+            <a:schemeClr val="accent1"/>
+          </a:effectRef>
+          <a:fontRef idx="minor">
+            <a:schemeClr val="lt1"/>
+          </a:fontRef>
+        </p:style>
+        <p:txBody>
+          <a:bodyPr rtlCol="0" anchor="ctr"/>
+          <a:lstStyle/>
+          <a:p>
+            <a:pPr algn="ctr"/>
+            <a:endParaRPr lang="en-US" sz="2000"/>
+          </a:p>
+        </p:txBody>
+      </p:sp>
+      <p:sp>
+        <p:nvSpPr>
+          <p:cNvPr id="32" name="Rectangle 31">
+            <a:extLst>
+              <a:ext uri="{FF2B5EF4-FFF2-40B4-BE49-F238E27FC236}">
+                <a16:creationId xmlns:a16="http://schemas.microsoft.com/office/drawing/2014/main" id="{4005491A-CC90-6740-8649-4D948F65CAB4}"/>
+              </a:ext>
+            </a:extLst>
+          </p:cNvPr>
+          <p:cNvSpPr/>
+          <p:nvPr/>
+        </p:nvSpPr>
+        <p:spPr>
+          <a:xfrm>
+            <a:off x="1561042" y="4417180"/>
+            <a:ext cx="1663092" cy="1415176"/>
+          </a:xfrm>
+          <a:prstGeom prst="rect">
+            <a:avLst/>
+          </a:prstGeom>
+          <a:solidFill>
+            <a:schemeClr val="accent1">
+              <a:alpha val="57000"/>
+            </a:schemeClr>
+          </a:solidFill>
+          <a:ln>
+            <a:solidFill>
+              <a:schemeClr val="accent1">
+                <a:shade val="50000"/>
+              </a:schemeClr>
+            </a:solidFill>
+          </a:ln>
+        </p:spPr>
+        <p:style>
+          <a:lnRef idx="2">
+            <a:schemeClr val="accent1">
+              <a:shade val="50000"/>
+            </a:schemeClr>
+          </a:lnRef>
+          <a:fillRef idx="1">
+            <a:schemeClr val="accent1"/>
+          </a:fillRef>
+          <a:effectRef idx="0">
+            <a:schemeClr val="accent1"/>
+          </a:effectRef>
+          <a:fontRef idx="minor">
+            <a:schemeClr val="lt1"/>
+          </a:fontRef>
+        </p:style>
+        <p:txBody>
+          <a:bodyPr rtlCol="0" anchor="ctr"/>
+          <a:lstStyle/>
+          <a:p>
+            <a:pPr algn="ctr"/>
+            <a:endParaRPr lang="en-US" sz="2000"/>
+          </a:p>
+        </p:txBody>
+      </p:sp>
+      <p:sp>
+        <p:nvSpPr>
+          <p:cNvPr id="33" name="Rectangle 32">
+            <a:extLst>
+              <a:ext uri="{FF2B5EF4-FFF2-40B4-BE49-F238E27FC236}">
+                <a16:creationId xmlns:a16="http://schemas.microsoft.com/office/drawing/2014/main" id="{EB7E7720-4F74-CE48-8F8F-12DA3FF5B7FE}"/>
+              </a:ext>
+            </a:extLst>
+          </p:cNvPr>
+          <p:cNvSpPr/>
+          <p:nvPr/>
+        </p:nvSpPr>
+        <p:spPr>
+          <a:xfrm>
+            <a:off x="2848096" y="1846470"/>
+            <a:ext cx="1663092" cy="1499616"/>
+          </a:xfrm>
+          <a:prstGeom prst="rect">
+            <a:avLst/>
+          </a:prstGeom>
+          <a:solidFill>
+            <a:schemeClr val="accent1">
+              <a:alpha val="57000"/>
+            </a:schemeClr>
+          </a:solidFill>
+          <a:ln>
+            <a:solidFill>
+              <a:schemeClr val="accent1">
+                <a:shade val="50000"/>
+              </a:schemeClr>
+            </a:solidFill>
+          </a:ln>
+        </p:spPr>
+        <p:style>
+          <a:lnRef idx="2">
+            <a:schemeClr val="accent1">
+              <a:shade val="50000"/>
+            </a:schemeClr>
+          </a:lnRef>
+          <a:fillRef idx="1">
+            <a:schemeClr val="accent1"/>
+          </a:fillRef>
+          <a:effectRef idx="0">
+            <a:schemeClr val="accent1"/>
+          </a:effectRef>
+          <a:fontRef idx="minor">
+            <a:schemeClr val="lt1"/>
+          </a:fontRef>
+        </p:style>
+        <p:txBody>
+          <a:bodyPr rtlCol="0" anchor="ctr"/>
+          <a:lstStyle/>
+          <a:p>
+            <a:pPr algn="ctr"/>
+            <a:endParaRPr lang="en-US" sz="2000"/>
+          </a:p>
+        </p:txBody>
+      </p:sp>
+      <p:sp>
+        <p:nvSpPr>
+          <p:cNvPr id="34" name="Rectangle 33">
+            <a:extLst>
+              <a:ext uri="{FF2B5EF4-FFF2-40B4-BE49-F238E27FC236}">
+                <a16:creationId xmlns:a16="http://schemas.microsoft.com/office/drawing/2014/main" id="{BF7BB3EA-3E7B-6242-B099-220122BFA112}"/>
+              </a:ext>
+            </a:extLst>
+          </p:cNvPr>
+          <p:cNvSpPr/>
+          <p:nvPr/>
+        </p:nvSpPr>
+        <p:spPr>
+          <a:xfrm>
+            <a:off x="4310426" y="4417181"/>
+            <a:ext cx="1663092" cy="1589130"/>
+          </a:xfrm>
+          <a:prstGeom prst="rect">
+            <a:avLst/>
+          </a:prstGeom>
+          <a:solidFill>
+            <a:schemeClr val="accent1">
+              <a:alpha val="57000"/>
+            </a:schemeClr>
+          </a:solidFill>
+          <a:ln>
+            <a:solidFill>
+              <a:schemeClr val="accent1">
+                <a:shade val="50000"/>
+              </a:schemeClr>
+            </a:solidFill>
+          </a:ln>
+        </p:spPr>
+        <p:style>
+          <a:lnRef idx="2">
+            <a:schemeClr val="accent1">
+              <a:shade val="50000"/>
+            </a:schemeClr>
+          </a:lnRef>
+          <a:fillRef idx="1">
+            <a:schemeClr val="accent1"/>
+          </a:fillRef>
+          <a:effectRef idx="0">
+            <a:schemeClr val="accent1"/>
+          </a:effectRef>
+          <a:fontRef idx="minor">
+            <a:schemeClr val="lt1"/>
+          </a:fontRef>
+        </p:style>
+        <p:txBody>
+          <a:bodyPr rtlCol="0" anchor="ctr"/>
+          <a:lstStyle/>
+          <a:p>
+            <a:pPr algn="ctr"/>
+            <a:endParaRPr lang="en-US" sz="2000"/>
+          </a:p>
+        </p:txBody>
+      </p:sp>
+      <p:sp>
+        <p:nvSpPr>
+          <p:cNvPr id="35" name="Rectangle 34">
+            <a:extLst>
+              <a:ext uri="{FF2B5EF4-FFF2-40B4-BE49-F238E27FC236}">
+                <a16:creationId xmlns:a16="http://schemas.microsoft.com/office/drawing/2014/main" id="{EC9EDF62-B6CA-034B-B375-F5D5A02050CC}"/>
+              </a:ext>
+            </a:extLst>
+          </p:cNvPr>
+          <p:cNvSpPr/>
+          <p:nvPr/>
+        </p:nvSpPr>
+        <p:spPr>
+          <a:xfrm>
+            <a:off x="5629634" y="1846470"/>
+            <a:ext cx="1663092" cy="1582530"/>
+          </a:xfrm>
+          <a:prstGeom prst="rect">
+            <a:avLst/>
+          </a:prstGeom>
+          <a:solidFill>
+            <a:schemeClr val="accent1">
+              <a:alpha val="57000"/>
+            </a:schemeClr>
+          </a:solidFill>
+          <a:ln>
+            <a:solidFill>
+              <a:schemeClr val="accent1">
+                <a:shade val="50000"/>
+              </a:schemeClr>
+            </a:solidFill>
+          </a:ln>
+        </p:spPr>
+        <p:style>
+          <a:lnRef idx="2">
+            <a:schemeClr val="accent1">
+              <a:shade val="50000"/>
+            </a:schemeClr>
+          </a:lnRef>
+          <a:fillRef idx="1">
+            <a:schemeClr val="accent1"/>
+          </a:fillRef>
+          <a:effectRef idx="0">
+            <a:schemeClr val="accent1"/>
+          </a:effectRef>
+          <a:fontRef idx="minor">
+            <a:schemeClr val="lt1"/>
+          </a:fontRef>
+        </p:style>
+        <p:txBody>
+          <a:bodyPr rtlCol="0" anchor="ctr"/>
+          <a:lstStyle/>
+          <a:p>
+            <a:pPr algn="ctr"/>
+            <a:endParaRPr lang="en-US" sz="2000"/>
+          </a:p>
+        </p:txBody>
+      </p:sp>
+      <p:sp>
+        <p:nvSpPr>
+          <p:cNvPr id="36" name="Rectangle 35">
+            <a:extLst>
+              <a:ext uri="{FF2B5EF4-FFF2-40B4-BE49-F238E27FC236}">
+                <a16:creationId xmlns:a16="http://schemas.microsoft.com/office/drawing/2014/main" id="{4A46EE07-5FFB-A144-BC10-6877C0D9C1F2}"/>
+              </a:ext>
+            </a:extLst>
+          </p:cNvPr>
+          <p:cNvSpPr/>
+          <p:nvPr/>
+        </p:nvSpPr>
+        <p:spPr>
+          <a:xfrm>
+            <a:off x="6931452" y="4487225"/>
+            <a:ext cx="1663092" cy="1345129"/>
+          </a:xfrm>
+          <a:prstGeom prst="rect">
+            <a:avLst/>
+          </a:prstGeom>
+          <a:solidFill>
+            <a:schemeClr val="accent1">
+              <a:alpha val="57000"/>
+            </a:schemeClr>
+          </a:solidFill>
+          <a:ln>
+            <a:solidFill>
+              <a:schemeClr val="accent1">
+                <a:shade val="50000"/>
+              </a:schemeClr>
+            </a:solidFill>
+          </a:ln>
+        </p:spPr>
+        <p:style>
+          <a:lnRef idx="2">
+            <a:schemeClr val="accent1">
+              <a:shade val="50000"/>
+            </a:schemeClr>
+          </a:lnRef>
+          <a:fillRef idx="1">
+            <a:schemeClr val="accent1"/>
+          </a:fillRef>
+          <a:effectRef idx="0">
+            <a:schemeClr val="accent1"/>
+          </a:effectRef>
+          <a:fontRef idx="minor">
+            <a:schemeClr val="lt1"/>
+          </a:fontRef>
+        </p:style>
+        <p:txBody>
+          <a:bodyPr rtlCol="0" anchor="ctr"/>
+          <a:lstStyle/>
+          <a:p>
+            <a:pPr algn="ctr"/>
+            <a:endParaRPr lang="en-US" sz="2000"/>
+          </a:p>
+        </p:txBody>
+      </p:sp>
+      <p:sp>
+        <p:nvSpPr>
+          <p:cNvPr id="37" name="Rectangle 36">
+            <a:extLst>
+              <a:ext uri="{FF2B5EF4-FFF2-40B4-BE49-F238E27FC236}">
+                <a16:creationId xmlns:a16="http://schemas.microsoft.com/office/drawing/2014/main" id="{C2155AA0-20D5-1045-B90D-2FBA9A13AED1}"/>
+              </a:ext>
+            </a:extLst>
+          </p:cNvPr>
+          <p:cNvSpPr/>
+          <p:nvPr/>
+        </p:nvSpPr>
+        <p:spPr>
+          <a:xfrm>
+            <a:off x="8091015" y="1744063"/>
+            <a:ext cx="1742437" cy="1499617"/>
+          </a:xfrm>
+          <a:prstGeom prst="rect">
+            <a:avLst/>
+          </a:prstGeom>
+          <a:solidFill>
+            <a:schemeClr val="accent1">
+              <a:alpha val="57000"/>
+            </a:schemeClr>
+          </a:solidFill>
+          <a:ln>
+            <a:solidFill>
+              <a:schemeClr val="accent1">
+                <a:shade val="50000"/>
+              </a:schemeClr>
+            </a:solidFill>
+          </a:ln>
+        </p:spPr>
+        <p:style>
+          <a:lnRef idx="2">
+            <a:schemeClr val="accent1">
+              <a:shade val="50000"/>
+            </a:schemeClr>
+          </a:lnRef>
+          <a:fillRef idx="1">
+            <a:schemeClr val="accent1"/>
+          </a:fillRef>
+          <a:effectRef idx="0">
+            <a:schemeClr val="accent1"/>
+          </a:effectRef>
+          <a:fontRef idx="minor">
+            <a:schemeClr val="lt1"/>
+          </a:fontRef>
+        </p:style>
+        <p:txBody>
+          <a:bodyPr rtlCol="0" anchor="ctr"/>
+          <a:lstStyle/>
+          <a:p>
+            <a:pPr algn="ctr"/>
+            <a:endParaRPr lang="en-US" sz="2000"/>
+          </a:p>
+        </p:txBody>
+      </p:sp>
+      <p:sp>
+        <p:nvSpPr>
+          <p:cNvPr id="38" name="Rectangle 37">
+            <a:extLst>
+              <a:ext uri="{FF2B5EF4-FFF2-40B4-BE49-F238E27FC236}">
+                <a16:creationId xmlns:a16="http://schemas.microsoft.com/office/drawing/2014/main" id="{6B3336F7-9FD1-1548-82B3-40ADEC0DD3F2}"/>
+              </a:ext>
+            </a:extLst>
+          </p:cNvPr>
+          <p:cNvSpPr/>
+          <p:nvPr/>
+        </p:nvSpPr>
+        <p:spPr>
+          <a:xfrm>
+            <a:off x="9598597" y="4571031"/>
+            <a:ext cx="1663092" cy="1913191"/>
+          </a:xfrm>
+          <a:prstGeom prst="rect">
+            <a:avLst/>
+          </a:prstGeom>
+          <a:solidFill>
+            <a:schemeClr val="accent1">
+              <a:alpha val="57000"/>
+            </a:schemeClr>
+          </a:solidFill>
+          <a:ln>
+            <a:solidFill>
+              <a:schemeClr val="accent1">
+                <a:shade val="50000"/>
+              </a:schemeClr>
+            </a:solidFill>
+          </a:ln>
+        </p:spPr>
+        <p:style>
+          <a:lnRef idx="2">
+            <a:schemeClr val="accent1">
+              <a:shade val="50000"/>
+            </a:schemeClr>
+          </a:lnRef>
+          <a:fillRef idx="1">
+            <a:schemeClr val="accent1"/>
+          </a:fillRef>
+          <a:effectRef idx="0">
+            <a:schemeClr val="accent1"/>
+          </a:effectRef>
+          <a:fontRef idx="minor">
+            <a:schemeClr val="lt1"/>
+          </a:fontRef>
+        </p:style>
+        <p:txBody>
+          <a:bodyPr rtlCol="0" anchor="ctr"/>
+          <a:lstStyle/>
+          <a:p>
+            <a:pPr algn="ctr"/>
+            <a:endParaRPr lang="en-US" sz="2000"/>
+          </a:p>
+        </p:txBody>
+      </p:sp>
+      <p:sp>
+        <p:nvSpPr>
+          <p:cNvPr id="39" name="TextBox 38">
+            <a:extLst>
+              <a:ext uri="{FF2B5EF4-FFF2-40B4-BE49-F238E27FC236}">
+                <a16:creationId xmlns:a16="http://schemas.microsoft.com/office/drawing/2014/main" id="{C94831F2-5F62-D04C-9B35-96CF49297229}"/>
+              </a:ext>
+            </a:extLst>
+          </p:cNvPr>
+          <p:cNvSpPr txBox="1"/>
+          <p:nvPr/>
+        </p:nvSpPr>
+        <p:spPr>
+          <a:xfrm>
+            <a:off x="335295" y="2653274"/>
+            <a:ext cx="1888434" cy="707886"/>
+          </a:xfrm>
+          <a:prstGeom prst="rect">
+            <a:avLst/>
+          </a:prstGeom>
+          <a:noFill/>
+        </p:spPr>
+        <p:txBody>
+          <a:bodyPr wrap="square" rtlCol="0">
+            <a:spAutoFit/>
+          </a:bodyPr>
+          <a:lstStyle/>
+          <a:p>
+            <a:r>
+              <a:rPr lang="en-US" sz="2000" dirty="0"/>
+              <a:t>Contact TPS’ Stakeholders</a:t>
+            </a:r>
+          </a:p>
+        </p:txBody>
+      </p:sp>
+      <p:sp>
+        <p:nvSpPr>
+          <p:cNvPr id="40" name="TextBox 39">
+            <a:extLst>
+              <a:ext uri="{FF2B5EF4-FFF2-40B4-BE49-F238E27FC236}">
+                <a16:creationId xmlns:a16="http://schemas.microsoft.com/office/drawing/2014/main" id="{0CC8E2F9-720D-1E43-9A33-95CF5CB1621B}"/>
+              </a:ext>
+            </a:extLst>
+          </p:cNvPr>
+          <p:cNvSpPr txBox="1"/>
+          <p:nvPr/>
+        </p:nvSpPr>
+        <p:spPr>
+          <a:xfrm>
+            <a:off x="1802240" y="4412202"/>
+            <a:ext cx="1622993" cy="1323439"/>
+          </a:xfrm>
+          <a:prstGeom prst="rect">
+            <a:avLst/>
+          </a:prstGeom>
+          <a:noFill/>
+        </p:spPr>
+        <p:txBody>
+          <a:bodyPr wrap="square" rtlCol="0">
+            <a:spAutoFit/>
+          </a:bodyPr>
+          <a:lstStyle/>
+          <a:p>
+            <a:r>
+              <a:rPr lang="en-US" sz="2000" dirty="0"/>
+              <a:t>Contact Powerschool Customer Success</a:t>
+            </a:r>
+          </a:p>
+        </p:txBody>
+      </p:sp>
+      <p:sp>
+        <p:nvSpPr>
+          <p:cNvPr id="41" name="TextBox 40">
+            <a:extLst>
+              <a:ext uri="{FF2B5EF4-FFF2-40B4-BE49-F238E27FC236}">
+                <a16:creationId xmlns:a16="http://schemas.microsoft.com/office/drawing/2014/main" id="{9C02D7CD-7A15-DD42-85E6-35DB2D775B5A}"/>
+              </a:ext>
+            </a:extLst>
+          </p:cNvPr>
+          <p:cNvSpPr txBox="1"/>
+          <p:nvPr/>
+        </p:nvSpPr>
+        <p:spPr>
+          <a:xfrm>
+            <a:off x="7166295" y="4512260"/>
+            <a:ext cx="1331844" cy="1323439"/>
+          </a:xfrm>
+          <a:prstGeom prst="rect">
+            <a:avLst/>
+          </a:prstGeom>
+          <a:noFill/>
+        </p:spPr>
+        <p:txBody>
+          <a:bodyPr wrap="square" rtlCol="0">
+            <a:spAutoFit/>
+          </a:bodyPr>
+          <a:lstStyle/>
+          <a:p>
+            <a:r>
+              <a:rPr lang="en-US" sz="2000" dirty="0"/>
+              <a:t>Build Data Pipeline using Python</a:t>
+            </a:r>
+          </a:p>
+        </p:txBody>
+      </p:sp>
+      <p:sp>
+        <p:nvSpPr>
+          <p:cNvPr id="42" name="TextBox 41">
+            <a:extLst>
+              <a:ext uri="{FF2B5EF4-FFF2-40B4-BE49-F238E27FC236}">
+                <a16:creationId xmlns:a16="http://schemas.microsoft.com/office/drawing/2014/main" id="{B843ED2D-0A91-FE43-B979-A1DA492061F4}"/>
+              </a:ext>
+            </a:extLst>
+          </p:cNvPr>
+          <p:cNvSpPr txBox="1"/>
+          <p:nvPr/>
+        </p:nvSpPr>
+        <p:spPr>
+          <a:xfrm>
+            <a:off x="3013272" y="1946550"/>
+            <a:ext cx="1275829" cy="1323439"/>
+          </a:xfrm>
+          <a:prstGeom prst="rect">
+            <a:avLst/>
+          </a:prstGeom>
+          <a:noFill/>
+        </p:spPr>
+        <p:txBody>
+          <a:bodyPr wrap="square" rtlCol="0">
+            <a:spAutoFit/>
+          </a:bodyPr>
+          <a:lstStyle/>
+          <a:p>
+            <a:r>
+              <a:rPr lang="en-US" sz="2000" dirty="0"/>
+              <a:t>Build Data Schema &amp; Structure Outline</a:t>
+            </a:r>
+          </a:p>
+        </p:txBody>
+      </p:sp>
+      <p:sp>
+        <p:nvSpPr>
+          <p:cNvPr id="43" name="TextBox 42">
+            <a:extLst>
+              <a:ext uri="{FF2B5EF4-FFF2-40B4-BE49-F238E27FC236}">
+                <a16:creationId xmlns:a16="http://schemas.microsoft.com/office/drawing/2014/main" id="{766B3199-0A92-DD45-9B96-797522E95A65}"/>
+              </a:ext>
+            </a:extLst>
+          </p:cNvPr>
+          <p:cNvSpPr txBox="1"/>
+          <p:nvPr/>
+        </p:nvSpPr>
+        <p:spPr>
+          <a:xfrm>
+            <a:off x="8091015" y="1991554"/>
+            <a:ext cx="1823197" cy="1015663"/>
+          </a:xfrm>
+          <a:prstGeom prst="rect">
+            <a:avLst/>
+          </a:prstGeom>
+          <a:noFill/>
+        </p:spPr>
+        <p:txBody>
+          <a:bodyPr wrap="square" rtlCol="0">
+            <a:spAutoFit/>
+          </a:bodyPr>
+          <a:lstStyle/>
+          <a:p>
+            <a:r>
+              <a:rPr lang="en-US" sz="2000" dirty="0"/>
+              <a:t>Build/Automate Dashboards using Tableau</a:t>
+            </a:r>
+          </a:p>
+        </p:txBody>
+      </p:sp>
+      <p:sp>
+        <p:nvSpPr>
+          <p:cNvPr id="44" name="TextBox 43">
+            <a:extLst>
+              <a:ext uri="{FF2B5EF4-FFF2-40B4-BE49-F238E27FC236}">
+                <a16:creationId xmlns:a16="http://schemas.microsoft.com/office/drawing/2014/main" id="{7B0A83B6-A1AE-4645-B100-EE335F46EBB0}"/>
+              </a:ext>
+            </a:extLst>
+          </p:cNvPr>
+          <p:cNvSpPr txBox="1"/>
+          <p:nvPr/>
+        </p:nvSpPr>
+        <p:spPr>
+          <a:xfrm>
+            <a:off x="4407627" y="4412202"/>
+            <a:ext cx="1565891" cy="1631216"/>
+          </a:xfrm>
+          <a:prstGeom prst="rect">
+            <a:avLst/>
+          </a:prstGeom>
+          <a:noFill/>
+        </p:spPr>
+        <p:txBody>
+          <a:bodyPr wrap="square" rtlCol="0">
+            <a:spAutoFit/>
+          </a:bodyPr>
+          <a:lstStyle/>
+          <a:p>
+            <a:r>
+              <a:rPr lang="en-US" sz="2000" dirty="0"/>
+              <a:t>Present to Stakeholders for Feedback (pipeline outline)</a:t>
+            </a:r>
+          </a:p>
+        </p:txBody>
+      </p:sp>
+      <p:sp>
+        <p:nvSpPr>
+          <p:cNvPr id="45" name="TextBox 44">
+            <a:extLst>
+              <a:ext uri="{FF2B5EF4-FFF2-40B4-BE49-F238E27FC236}">
+                <a16:creationId xmlns:a16="http://schemas.microsoft.com/office/drawing/2014/main" id="{DFF8BB9A-C102-9A45-9C5C-802EC9567DA4}"/>
+              </a:ext>
+            </a:extLst>
+          </p:cNvPr>
+          <p:cNvSpPr txBox="1"/>
+          <p:nvPr/>
+        </p:nvSpPr>
+        <p:spPr>
+          <a:xfrm>
+            <a:off x="934278" y="3498575"/>
+            <a:ext cx="325730" cy="400110"/>
+          </a:xfrm>
+          <a:prstGeom prst="rect">
+            <a:avLst/>
+          </a:prstGeom>
+          <a:noFill/>
+        </p:spPr>
+        <p:txBody>
+          <a:bodyPr wrap="none" rtlCol="0">
+            <a:spAutoFit/>
+          </a:bodyPr>
+          <a:lstStyle/>
+          <a:p>
+            <a:r>
+              <a:rPr lang="en-US" sz="2000" b="1" dirty="0">
+                <a:solidFill>
+                  <a:schemeClr val="accent2"/>
+                </a:solidFill>
+              </a:rPr>
+              <a:t>0</a:t>
+            </a:r>
+          </a:p>
+        </p:txBody>
+      </p:sp>
+      <p:sp>
+        <p:nvSpPr>
+          <p:cNvPr id="46" name="TextBox 45">
+            <a:extLst>
+              <a:ext uri="{FF2B5EF4-FFF2-40B4-BE49-F238E27FC236}">
+                <a16:creationId xmlns:a16="http://schemas.microsoft.com/office/drawing/2014/main" id="{8CD55664-7EFC-0B43-B3EA-BCD87C876B04}"/>
+              </a:ext>
+            </a:extLst>
+          </p:cNvPr>
+          <p:cNvSpPr txBox="1"/>
+          <p:nvPr/>
+        </p:nvSpPr>
+        <p:spPr>
+          <a:xfrm>
+            <a:off x="2064008" y="3519429"/>
+            <a:ext cx="537327" cy="400110"/>
+          </a:xfrm>
+          <a:prstGeom prst="rect">
+            <a:avLst/>
+          </a:prstGeom>
+          <a:noFill/>
+        </p:spPr>
+        <p:txBody>
+          <a:bodyPr wrap="none" rtlCol="0">
+            <a:spAutoFit/>
+          </a:bodyPr>
+          <a:lstStyle/>
+          <a:p>
+            <a:r>
+              <a:rPr lang="en-US" sz="2000" b="1" dirty="0">
+                <a:solidFill>
+                  <a:schemeClr val="accent2"/>
+                </a:solidFill>
+              </a:rPr>
+              <a:t>1-3</a:t>
+            </a:r>
+          </a:p>
+        </p:txBody>
+      </p:sp>
+      <p:sp>
+        <p:nvSpPr>
+          <p:cNvPr id="47" name="TextBox 46">
+            <a:extLst>
+              <a:ext uri="{FF2B5EF4-FFF2-40B4-BE49-F238E27FC236}">
+                <a16:creationId xmlns:a16="http://schemas.microsoft.com/office/drawing/2014/main" id="{D0DF006B-93C4-3243-AD38-E62A8DEC2EB7}"/>
+              </a:ext>
+            </a:extLst>
+          </p:cNvPr>
+          <p:cNvSpPr txBox="1"/>
+          <p:nvPr/>
+        </p:nvSpPr>
+        <p:spPr>
+          <a:xfrm>
+            <a:off x="3363831" y="3496098"/>
+            <a:ext cx="631623" cy="400110"/>
+          </a:xfrm>
+          <a:prstGeom prst="rect">
+            <a:avLst/>
+          </a:prstGeom>
+          <a:noFill/>
+        </p:spPr>
+        <p:txBody>
+          <a:bodyPr wrap="square" rtlCol="0">
+            <a:spAutoFit/>
+          </a:bodyPr>
+          <a:lstStyle/>
+          <a:p>
+            <a:r>
+              <a:rPr lang="en-US" sz="2000" b="1" dirty="0">
+                <a:solidFill>
+                  <a:schemeClr val="accent2"/>
+                </a:solidFill>
+              </a:rPr>
+              <a:t>3-7</a:t>
+            </a:r>
+          </a:p>
+        </p:txBody>
+      </p:sp>
+      <p:sp>
+        <p:nvSpPr>
+          <p:cNvPr id="48" name="TextBox 47">
+            <a:extLst>
+              <a:ext uri="{FF2B5EF4-FFF2-40B4-BE49-F238E27FC236}">
+                <a16:creationId xmlns:a16="http://schemas.microsoft.com/office/drawing/2014/main" id="{DEEE0FDD-7B2B-084F-879D-37922DBD1394}"/>
+              </a:ext>
+            </a:extLst>
+          </p:cNvPr>
+          <p:cNvSpPr txBox="1"/>
+          <p:nvPr/>
+        </p:nvSpPr>
+        <p:spPr>
+          <a:xfrm>
+            <a:off x="4837529" y="3498655"/>
+            <a:ext cx="311304" cy="400110"/>
+          </a:xfrm>
+          <a:prstGeom prst="rect">
+            <a:avLst/>
+          </a:prstGeom>
+          <a:noFill/>
+        </p:spPr>
+        <p:txBody>
+          <a:bodyPr wrap="square" rtlCol="0">
+            <a:spAutoFit/>
+          </a:bodyPr>
+          <a:lstStyle/>
+          <a:p>
+            <a:r>
+              <a:rPr lang="en-US" sz="2000" b="1" dirty="0">
+                <a:solidFill>
+                  <a:schemeClr val="accent2"/>
+                </a:solidFill>
+              </a:rPr>
+              <a:t>7</a:t>
+            </a:r>
+          </a:p>
+        </p:txBody>
+      </p:sp>
+      <p:sp>
+        <p:nvSpPr>
+          <p:cNvPr id="49" name="TextBox 48">
+            <a:extLst>
+              <a:ext uri="{FF2B5EF4-FFF2-40B4-BE49-F238E27FC236}">
+                <a16:creationId xmlns:a16="http://schemas.microsoft.com/office/drawing/2014/main" id="{1CC5EE13-DB04-6D4A-80D0-FC11DFA668AA}"/>
+              </a:ext>
+            </a:extLst>
+          </p:cNvPr>
+          <p:cNvSpPr txBox="1"/>
+          <p:nvPr/>
+        </p:nvSpPr>
+        <p:spPr>
+          <a:xfrm>
+            <a:off x="7345198" y="3492244"/>
+            <a:ext cx="808273" cy="400110"/>
+          </a:xfrm>
+          <a:prstGeom prst="rect">
+            <a:avLst/>
+          </a:prstGeom>
+          <a:noFill/>
+        </p:spPr>
+        <p:txBody>
+          <a:bodyPr wrap="square" rtlCol="0">
+            <a:spAutoFit/>
+          </a:bodyPr>
+          <a:lstStyle/>
+          <a:p>
+            <a:r>
+              <a:rPr lang="en-US" sz="2000" b="1" dirty="0">
+                <a:solidFill>
+                  <a:schemeClr val="accent2"/>
+                </a:solidFill>
+              </a:rPr>
+              <a:t>10-14</a:t>
+            </a:r>
+          </a:p>
+        </p:txBody>
+      </p:sp>
+      <p:sp>
+        <p:nvSpPr>
+          <p:cNvPr id="50" name="TextBox 49">
+            <a:extLst>
+              <a:ext uri="{FF2B5EF4-FFF2-40B4-BE49-F238E27FC236}">
+                <a16:creationId xmlns:a16="http://schemas.microsoft.com/office/drawing/2014/main" id="{CF9B486F-B993-D84B-9392-A8F933A13E64}"/>
+              </a:ext>
+            </a:extLst>
+          </p:cNvPr>
+          <p:cNvSpPr txBox="1"/>
+          <p:nvPr/>
+        </p:nvSpPr>
+        <p:spPr>
+          <a:xfrm>
+            <a:off x="8723695" y="3500690"/>
+            <a:ext cx="1001108" cy="400110"/>
+          </a:xfrm>
+          <a:prstGeom prst="rect">
+            <a:avLst/>
+          </a:prstGeom>
+          <a:noFill/>
+        </p:spPr>
+        <p:txBody>
+          <a:bodyPr wrap="square" rtlCol="0">
+            <a:spAutoFit/>
+          </a:bodyPr>
+          <a:lstStyle/>
+          <a:p>
+            <a:r>
+              <a:rPr lang="en-US" sz="2000" b="1" dirty="0">
+                <a:solidFill>
+                  <a:schemeClr val="accent2"/>
+                </a:solidFill>
+              </a:rPr>
+              <a:t>14-15+</a:t>
+            </a:r>
+          </a:p>
+        </p:txBody>
+      </p:sp>
+      <p:sp>
+        <p:nvSpPr>
+          <p:cNvPr id="51" name="TextBox 50">
+            <a:extLst>
+              <a:ext uri="{FF2B5EF4-FFF2-40B4-BE49-F238E27FC236}">
+                <a16:creationId xmlns:a16="http://schemas.microsoft.com/office/drawing/2014/main" id="{47610AA1-5964-8247-90F5-2F187E2A9149}"/>
+              </a:ext>
+            </a:extLst>
+          </p:cNvPr>
+          <p:cNvSpPr txBox="1"/>
+          <p:nvPr/>
+        </p:nvSpPr>
+        <p:spPr>
+          <a:xfrm>
+            <a:off x="10297277" y="3536584"/>
+            <a:ext cx="606287" cy="400110"/>
+          </a:xfrm>
+          <a:prstGeom prst="rect">
+            <a:avLst/>
+          </a:prstGeom>
+          <a:noFill/>
+        </p:spPr>
+        <p:txBody>
+          <a:bodyPr wrap="square" rtlCol="0">
+            <a:spAutoFit/>
+          </a:bodyPr>
+          <a:lstStyle/>
+          <a:p>
+            <a:r>
+              <a:rPr lang="en-US" sz="2000" b="1" dirty="0">
+                <a:solidFill>
+                  <a:schemeClr val="accent2"/>
+                </a:solidFill>
+              </a:rPr>
+              <a:t>15</a:t>
+            </a:r>
+          </a:p>
+        </p:txBody>
+      </p:sp>
+      <p:sp>
+        <p:nvSpPr>
+          <p:cNvPr id="52" name="TextBox 51">
+            <a:extLst>
+              <a:ext uri="{FF2B5EF4-FFF2-40B4-BE49-F238E27FC236}">
+                <a16:creationId xmlns:a16="http://schemas.microsoft.com/office/drawing/2014/main" id="{5C827750-E7B3-5546-BBA8-D138C60256AF}"/>
+              </a:ext>
+            </a:extLst>
+          </p:cNvPr>
+          <p:cNvSpPr txBox="1"/>
+          <p:nvPr/>
+        </p:nvSpPr>
+        <p:spPr>
+          <a:xfrm>
+            <a:off x="9724803" y="4632470"/>
+            <a:ext cx="1510748" cy="1938992"/>
+          </a:xfrm>
+          <a:prstGeom prst="rect">
+            <a:avLst/>
+          </a:prstGeom>
+          <a:noFill/>
+        </p:spPr>
+        <p:txBody>
+          <a:bodyPr wrap="square" rtlCol="0">
+            <a:spAutoFit/>
+          </a:bodyPr>
+          <a:lstStyle/>
+          <a:p>
+            <a:r>
+              <a:rPr lang="en-US" sz="2000" dirty="0"/>
+              <a:t>Present Reporting Dashboards to TPS’ Stakeholders</a:t>
+            </a:r>
+          </a:p>
+          <a:p>
+            <a:endParaRPr lang="en-US" sz="2000" dirty="0"/>
+          </a:p>
+        </p:txBody>
+      </p:sp>
+      <p:sp>
+        <p:nvSpPr>
+          <p:cNvPr id="53" name="TextBox 52">
+            <a:extLst>
+              <a:ext uri="{FF2B5EF4-FFF2-40B4-BE49-F238E27FC236}">
+                <a16:creationId xmlns:a16="http://schemas.microsoft.com/office/drawing/2014/main" id="{042A87A9-77C9-A64D-B8AF-409553828E32}"/>
+              </a:ext>
+            </a:extLst>
+          </p:cNvPr>
+          <p:cNvSpPr txBox="1"/>
+          <p:nvPr/>
+        </p:nvSpPr>
+        <p:spPr>
+          <a:xfrm>
+            <a:off x="5990907" y="3498655"/>
+            <a:ext cx="1070005" cy="400110"/>
+          </a:xfrm>
+          <a:prstGeom prst="rect">
+            <a:avLst/>
+          </a:prstGeom>
+          <a:noFill/>
+        </p:spPr>
+        <p:txBody>
+          <a:bodyPr wrap="square" rtlCol="0">
+            <a:spAutoFit/>
+          </a:bodyPr>
+          <a:lstStyle/>
+          <a:p>
+            <a:r>
+              <a:rPr lang="en-US" sz="2000" b="1" dirty="0">
+                <a:solidFill>
+                  <a:schemeClr val="accent2"/>
+                </a:solidFill>
+              </a:rPr>
+              <a:t>10-15+</a:t>
+            </a:r>
+          </a:p>
+        </p:txBody>
+      </p:sp>
+      <p:sp>
+        <p:nvSpPr>
+          <p:cNvPr id="54" name="TextBox 53">
+            <a:extLst>
+              <a:ext uri="{FF2B5EF4-FFF2-40B4-BE49-F238E27FC236}">
+                <a16:creationId xmlns:a16="http://schemas.microsoft.com/office/drawing/2014/main" id="{0815F112-7412-E24E-8F5B-D362082F367F}"/>
+              </a:ext>
+            </a:extLst>
+          </p:cNvPr>
+          <p:cNvSpPr txBox="1"/>
+          <p:nvPr/>
+        </p:nvSpPr>
+        <p:spPr>
+          <a:xfrm>
+            <a:off x="5825199" y="1946551"/>
+            <a:ext cx="1398775" cy="1323439"/>
+          </a:xfrm>
+          <a:prstGeom prst="rect">
+            <a:avLst/>
+          </a:prstGeom>
+          <a:noFill/>
+        </p:spPr>
+        <p:txBody>
+          <a:bodyPr wrap="square" rtlCol="0">
+            <a:spAutoFit/>
+          </a:bodyPr>
+          <a:lstStyle/>
+          <a:p>
+            <a:r>
+              <a:rPr lang="en-US" sz="2000" dirty="0"/>
+              <a:t>Train Team to do correct Data Entry</a:t>
+            </a:r>
+          </a:p>
+        </p:txBody>
+      </p:sp>
+      <p:cxnSp>
+        <p:nvCxnSpPr>
+          <p:cNvPr id="55" name="Straight Arrow Connector 54">
+            <a:extLst>
+              <a:ext uri="{FF2B5EF4-FFF2-40B4-BE49-F238E27FC236}">
+                <a16:creationId xmlns:a16="http://schemas.microsoft.com/office/drawing/2014/main" id="{ADB41806-CA35-D444-801B-FE1EBAF7EB78}"/>
+              </a:ext>
+            </a:extLst>
+          </p:cNvPr>
+          <p:cNvCxnSpPr>
+            <a:cxnSpLocks/>
+          </p:cNvCxnSpPr>
+          <p:nvPr/>
+        </p:nvCxnSpPr>
+        <p:spPr>
+          <a:xfrm>
+            <a:off x="1063280" y="4192377"/>
+            <a:ext cx="9952383" cy="0"/>
+          </a:xfrm>
+          <a:prstGeom prst="straightConnector1">
+            <a:avLst/>
+          </a:prstGeom>
+          <a:ln w="57150">
+            <a:solidFill>
+              <a:schemeClr val="accent1"/>
+            </a:solidFill>
+            <a:tailEnd type="triangle"/>
+          </a:ln>
+        </p:spPr>
+        <p:style>
+          <a:lnRef idx="1">
+            <a:schemeClr val="accent1"/>
+          </a:lnRef>
+          <a:fillRef idx="0">
+            <a:schemeClr val="accent1"/>
+          </a:fillRef>
+          <a:effectRef idx="0">
+            <a:schemeClr val="accent1"/>
+          </a:effectRef>
+          <a:fontRef idx="minor">
+            <a:schemeClr val="tx1"/>
+          </a:fontRef>
+        </p:style>
+      </p:cxnSp>
+      <p:sp>
+        <p:nvSpPr>
+          <p:cNvPr id="56" name="TextBox 55">
+            <a:extLst>
+              <a:ext uri="{FF2B5EF4-FFF2-40B4-BE49-F238E27FC236}">
+                <a16:creationId xmlns:a16="http://schemas.microsoft.com/office/drawing/2014/main" id="{FC489762-1F20-4540-AD79-6A2BE056181F}"/>
+              </a:ext>
+            </a:extLst>
+          </p:cNvPr>
+          <p:cNvSpPr txBox="1"/>
+          <p:nvPr/>
+        </p:nvSpPr>
+        <p:spPr>
+          <a:xfrm>
+            <a:off x="11158887" y="2961153"/>
+            <a:ext cx="1085196" cy="1323439"/>
+          </a:xfrm>
+          <a:prstGeom prst="rect">
+            <a:avLst/>
+          </a:prstGeom>
+          <a:noFill/>
+        </p:spPr>
+        <p:txBody>
+          <a:bodyPr wrap="square" rtlCol="0">
+            <a:spAutoFit/>
+          </a:bodyPr>
+          <a:lstStyle/>
+          <a:p>
+            <a:r>
+              <a:rPr lang="en-US" sz="2000" b="1" dirty="0">
+                <a:solidFill>
+                  <a:srgbClr val="0070C0"/>
+                </a:solidFill>
+              </a:rPr>
+              <a:t>Days since start of project</a:t>
+            </a:r>
+          </a:p>
+        </p:txBody>
+      </p:sp>
+      <p:cxnSp>
+        <p:nvCxnSpPr>
+          <p:cNvPr id="58" name="Straight Connector 57">
+            <a:extLst>
+              <a:ext uri="{FF2B5EF4-FFF2-40B4-BE49-F238E27FC236}">
+                <a16:creationId xmlns:a16="http://schemas.microsoft.com/office/drawing/2014/main" id="{CCF442EA-C1CB-D64F-B518-0D1A367E30AD}"/>
+              </a:ext>
+            </a:extLst>
+          </p:cNvPr>
+          <p:cNvCxnSpPr>
+            <a:endCxn id="45" idx="2"/>
+          </p:cNvCxnSpPr>
+          <p:nvPr/>
+        </p:nvCxnSpPr>
+        <p:spPr>
+          <a:xfrm flipV="1">
+            <a:off x="1097143" y="3898685"/>
+            <a:ext cx="0" cy="277819"/>
+          </a:xfrm>
+          <a:prstGeom prst="line">
+            <a:avLst/>
+          </a:prstGeom>
+          <a:ln w="57150"/>
+        </p:spPr>
+        <p:style>
+          <a:lnRef idx="1">
+            <a:schemeClr val="accent1"/>
+          </a:lnRef>
+          <a:fillRef idx="0">
+            <a:schemeClr val="accent1"/>
+          </a:fillRef>
+          <a:effectRef idx="0">
+            <a:schemeClr val="accent1"/>
+          </a:effectRef>
+          <a:fontRef idx="minor">
+            <a:schemeClr val="tx1"/>
+          </a:fontRef>
+        </p:style>
+      </p:cxnSp>
+      <p:cxnSp>
+        <p:nvCxnSpPr>
+          <p:cNvPr id="59" name="Straight Connector 58">
+            <a:extLst>
+              <a:ext uri="{FF2B5EF4-FFF2-40B4-BE49-F238E27FC236}">
+                <a16:creationId xmlns:a16="http://schemas.microsoft.com/office/drawing/2014/main" id="{3063558A-572F-754C-92C1-06F0F903B6B1}"/>
+              </a:ext>
+            </a:extLst>
+          </p:cNvPr>
+          <p:cNvCxnSpPr>
+            <a:cxnSpLocks/>
+          </p:cNvCxnSpPr>
+          <p:nvPr/>
+        </p:nvCxnSpPr>
+        <p:spPr>
+          <a:xfrm flipV="1">
+            <a:off x="2332671" y="3919539"/>
+            <a:ext cx="0" cy="277819"/>
+          </a:xfrm>
+          <a:prstGeom prst="line">
+            <a:avLst/>
+          </a:prstGeom>
+          <a:ln w="57150"/>
+        </p:spPr>
+        <p:style>
+          <a:lnRef idx="1">
+            <a:schemeClr val="accent1"/>
+          </a:lnRef>
+          <a:fillRef idx="0">
+            <a:schemeClr val="accent1"/>
+          </a:fillRef>
+          <a:effectRef idx="0">
+            <a:schemeClr val="accent1"/>
+          </a:effectRef>
+          <a:fontRef idx="minor">
+            <a:schemeClr val="tx1"/>
+          </a:fontRef>
+        </p:style>
+      </p:cxnSp>
+      <p:cxnSp>
+        <p:nvCxnSpPr>
+          <p:cNvPr id="63" name="Straight Connector 62">
+            <a:extLst>
+              <a:ext uri="{FF2B5EF4-FFF2-40B4-BE49-F238E27FC236}">
+                <a16:creationId xmlns:a16="http://schemas.microsoft.com/office/drawing/2014/main" id="{310E24B3-1306-A649-BE98-3F8CC4DF57F8}"/>
+              </a:ext>
+            </a:extLst>
+          </p:cNvPr>
+          <p:cNvCxnSpPr>
+            <a:cxnSpLocks/>
+          </p:cNvCxnSpPr>
+          <p:nvPr/>
+        </p:nvCxnSpPr>
+        <p:spPr>
+          <a:xfrm flipV="1">
+            <a:off x="3679930" y="3914558"/>
+            <a:ext cx="0" cy="277819"/>
+          </a:xfrm>
+          <a:prstGeom prst="line">
+            <a:avLst/>
+          </a:prstGeom>
+          <a:ln w="57150"/>
+        </p:spPr>
+        <p:style>
+          <a:lnRef idx="1">
+            <a:schemeClr val="accent1"/>
+          </a:lnRef>
+          <a:fillRef idx="0">
+            <a:schemeClr val="accent1"/>
+          </a:fillRef>
+          <a:effectRef idx="0">
+            <a:schemeClr val="accent1"/>
+          </a:effectRef>
+          <a:fontRef idx="minor">
+            <a:schemeClr val="tx1"/>
+          </a:fontRef>
+        </p:style>
+      </p:cxnSp>
+      <p:cxnSp>
+        <p:nvCxnSpPr>
+          <p:cNvPr id="64" name="Straight Connector 63">
+            <a:extLst>
+              <a:ext uri="{FF2B5EF4-FFF2-40B4-BE49-F238E27FC236}">
+                <a16:creationId xmlns:a16="http://schemas.microsoft.com/office/drawing/2014/main" id="{ED2159DE-B3F3-3C48-8FF0-DB9EE5CB4726}"/>
+              </a:ext>
+            </a:extLst>
+          </p:cNvPr>
+          <p:cNvCxnSpPr>
+            <a:cxnSpLocks/>
+          </p:cNvCxnSpPr>
+          <p:nvPr/>
+        </p:nvCxnSpPr>
+        <p:spPr>
+          <a:xfrm flipV="1">
+            <a:off x="4993181" y="3914557"/>
+            <a:ext cx="0" cy="277819"/>
+          </a:xfrm>
+          <a:prstGeom prst="line">
+            <a:avLst/>
+          </a:prstGeom>
+          <a:ln w="57150"/>
+        </p:spPr>
+        <p:style>
+          <a:lnRef idx="1">
+            <a:schemeClr val="accent1"/>
+          </a:lnRef>
+          <a:fillRef idx="0">
+            <a:schemeClr val="accent1"/>
+          </a:fillRef>
+          <a:effectRef idx="0">
+            <a:schemeClr val="accent1"/>
+          </a:effectRef>
+          <a:fontRef idx="minor">
+            <a:schemeClr val="tx1"/>
+          </a:fontRef>
+        </p:style>
+      </p:cxnSp>
+      <p:cxnSp>
+        <p:nvCxnSpPr>
+          <p:cNvPr id="65" name="Straight Connector 64">
+            <a:extLst>
+              <a:ext uri="{FF2B5EF4-FFF2-40B4-BE49-F238E27FC236}">
+                <a16:creationId xmlns:a16="http://schemas.microsoft.com/office/drawing/2014/main" id="{8ADE8BEC-6681-264E-A01F-16F84EE07217}"/>
+              </a:ext>
+            </a:extLst>
+          </p:cNvPr>
+          <p:cNvCxnSpPr>
+            <a:cxnSpLocks/>
+          </p:cNvCxnSpPr>
+          <p:nvPr/>
+        </p:nvCxnSpPr>
+        <p:spPr>
+          <a:xfrm flipV="1">
+            <a:off x="6461180" y="3914557"/>
+            <a:ext cx="0" cy="277819"/>
+          </a:xfrm>
+          <a:prstGeom prst="line">
+            <a:avLst/>
+          </a:prstGeom>
+          <a:ln w="57150"/>
+        </p:spPr>
+        <p:style>
+          <a:lnRef idx="1">
+            <a:schemeClr val="accent1"/>
+          </a:lnRef>
+          <a:fillRef idx="0">
+            <a:schemeClr val="accent1"/>
+          </a:fillRef>
+          <a:effectRef idx="0">
+            <a:schemeClr val="accent1"/>
+          </a:effectRef>
+          <a:fontRef idx="minor">
+            <a:schemeClr val="tx1"/>
+          </a:fontRef>
+        </p:style>
+      </p:cxnSp>
+      <p:cxnSp>
+        <p:nvCxnSpPr>
+          <p:cNvPr id="66" name="Straight Connector 65">
+            <a:extLst>
+              <a:ext uri="{FF2B5EF4-FFF2-40B4-BE49-F238E27FC236}">
+                <a16:creationId xmlns:a16="http://schemas.microsoft.com/office/drawing/2014/main" id="{88E47744-CA0D-7746-8560-828596DF29D4}"/>
+              </a:ext>
+            </a:extLst>
+          </p:cNvPr>
+          <p:cNvCxnSpPr>
+            <a:cxnSpLocks/>
+          </p:cNvCxnSpPr>
+          <p:nvPr/>
+        </p:nvCxnSpPr>
+        <p:spPr>
+          <a:xfrm flipV="1">
+            <a:off x="7584024" y="3914556"/>
+            <a:ext cx="0" cy="277819"/>
+          </a:xfrm>
+          <a:prstGeom prst="line">
+            <a:avLst/>
+          </a:prstGeom>
+          <a:ln w="57150"/>
+        </p:spPr>
+        <p:style>
+          <a:lnRef idx="1">
+            <a:schemeClr val="accent1"/>
+          </a:lnRef>
+          <a:fillRef idx="0">
+            <a:schemeClr val="accent1"/>
+          </a:fillRef>
+          <a:effectRef idx="0">
+            <a:schemeClr val="accent1"/>
+          </a:effectRef>
+          <a:fontRef idx="minor">
+            <a:schemeClr val="tx1"/>
+          </a:fontRef>
+        </p:style>
+      </p:cxnSp>
+      <p:cxnSp>
+        <p:nvCxnSpPr>
+          <p:cNvPr id="67" name="Straight Connector 66">
+            <a:extLst>
+              <a:ext uri="{FF2B5EF4-FFF2-40B4-BE49-F238E27FC236}">
+                <a16:creationId xmlns:a16="http://schemas.microsoft.com/office/drawing/2014/main" id="{3EDB59AD-B3CB-264B-A137-B1E205ED03D5}"/>
+              </a:ext>
+            </a:extLst>
+          </p:cNvPr>
+          <p:cNvCxnSpPr>
+            <a:cxnSpLocks/>
+          </p:cNvCxnSpPr>
+          <p:nvPr/>
+        </p:nvCxnSpPr>
+        <p:spPr>
+          <a:xfrm flipV="1">
+            <a:off x="9002644" y="3914556"/>
+            <a:ext cx="0" cy="277819"/>
+          </a:xfrm>
+          <a:prstGeom prst="line">
+            <a:avLst/>
+          </a:prstGeom>
+          <a:ln w="57150"/>
+        </p:spPr>
+        <p:style>
+          <a:lnRef idx="1">
+            <a:schemeClr val="accent1"/>
+          </a:lnRef>
+          <a:fillRef idx="0">
+            <a:schemeClr val="accent1"/>
+          </a:fillRef>
+          <a:effectRef idx="0">
+            <a:schemeClr val="accent1"/>
+          </a:effectRef>
+          <a:fontRef idx="minor">
+            <a:schemeClr val="tx1"/>
+          </a:fontRef>
+        </p:style>
+      </p:cxnSp>
+      <p:cxnSp>
+        <p:nvCxnSpPr>
+          <p:cNvPr id="68" name="Straight Connector 67">
+            <a:extLst>
+              <a:ext uri="{FF2B5EF4-FFF2-40B4-BE49-F238E27FC236}">
+                <a16:creationId xmlns:a16="http://schemas.microsoft.com/office/drawing/2014/main" id="{20E55146-5226-0146-91CC-79A1F251E6DC}"/>
+              </a:ext>
+            </a:extLst>
+          </p:cNvPr>
+          <p:cNvCxnSpPr>
+            <a:cxnSpLocks/>
+          </p:cNvCxnSpPr>
+          <p:nvPr/>
+        </p:nvCxnSpPr>
+        <p:spPr>
+          <a:xfrm flipV="1">
+            <a:off x="10560664" y="3892354"/>
+            <a:ext cx="0" cy="277819"/>
+          </a:xfrm>
+          <a:prstGeom prst="line">
+            <a:avLst/>
+          </a:prstGeom>
+          <a:ln w="57150"/>
+        </p:spPr>
+        <p:style>
+          <a:lnRef idx="1">
+            <a:schemeClr val="accent1"/>
+          </a:lnRef>
+          <a:fillRef idx="0">
+            <a:schemeClr val="accent1"/>
+          </a:fillRef>
+          <a:effectRef idx="0">
+            <a:schemeClr val="accent1"/>
+          </a:effectRef>
+          <a:fontRef idx="minor">
+            <a:schemeClr val="tx1"/>
+          </a:fontRef>
+        </p:style>
+      </p:cxnSp>
+    </p:spTree>
+    <p:extLst>
+      <p:ext uri="{BB962C8B-B14F-4D97-AF65-F5344CB8AC3E}">
+        <p14:creationId xmlns:p14="http://schemas.microsoft.com/office/powerpoint/2010/main" val="1109863654"/>
+      </p:ext>
+    </p:extLst>
+  </p:cSld>
+  <p:clrMapOvr>
+    <a:masterClrMapping/>
+  </p:clrMapOvr>
+</p:sld>
+</file>
+
+<file path=ppt/slides/slide4.xml><?xml version="1.0" encoding="utf-8"?>
+<p:sld xmlns:a="http://schemas.openxmlformats.org/drawingml/2006/main" xmlns:r="http://schemas.openxmlformats.org/officeDocument/2006/relationships" xmlns:p="http://schemas.openxmlformats.org/presentationml/2006/main">
+  <p:cSld>
+    <p:spTree>
+      <p:nvGrpSpPr>
+        <p:cNvPr id="1" name=""/>
+        <p:cNvGrpSpPr/>
+        <p:nvPr/>
+      </p:nvGrpSpPr>
+      <p:grpSpPr>
+        <a:xfrm>
+          <a:off x="0" y="0"/>
+          <a:ext cx="0" cy="0"/>
+          <a:chOff x="0" y="0"/>
+          <a:chExt cx="0" cy="0"/>
+        </a:xfrm>
+      </p:grpSpPr>
+      <p:sp>
+        <p:nvSpPr>
+          <p:cNvPr id="3" name="Content Placeholder 2">
+            <a:extLst>
+              <a:ext uri="{FF2B5EF4-FFF2-40B4-BE49-F238E27FC236}">
+                <a16:creationId xmlns:a16="http://schemas.microsoft.com/office/drawing/2014/main" id="{EB27B750-4F5C-A54A-BF7C-0268CC614C36}"/>
+              </a:ext>
+            </a:extLst>
+          </p:cNvPr>
+          <p:cNvSpPr>
+            <a:spLocks noGrp="1"/>
+          </p:cNvSpPr>
+          <p:nvPr>
+            <p:ph idx="1"/>
+          </p:nvPr>
+        </p:nvSpPr>
+        <p:spPr>
+          <a:xfrm>
+            <a:off x="1024128" y="2299252"/>
+            <a:ext cx="9720073" cy="4023360"/>
+          </a:xfrm>
+        </p:spPr>
+        <p:txBody>
+          <a:bodyPr>
+            <a:normAutofit fontScale="92500" lnSpcReduction="10000"/>
+          </a:bodyPr>
+          <a:lstStyle/>
+          <a:p>
+            <a:r>
+              <a:rPr lang="en-US" u="sng" dirty="0">
+                <a:solidFill>
+                  <a:schemeClr val="accent2"/>
+                </a:solidFill>
+              </a:rPr>
+              <a:t>TPS’ Health Team &amp; Stakeholders:</a:t>
+            </a:r>
+          </a:p>
+          <a:p>
+            <a:r>
+              <a:rPr lang="en-US" dirty="0"/>
+              <a:t>Dear TPS’ Health team,</a:t>
+            </a:r>
+          </a:p>
+          <a:p>
+            <a:r>
+              <a:rPr lang="en-US" dirty="0"/>
+              <a:t>Thank you for reaching out to me about this new assignment. I believe that it is essential to store all types of data to keep a good track of our processes.</a:t>
+            </a:r>
+          </a:p>
+          <a:p>
+            <a:r>
+              <a:rPr lang="en-US" dirty="0"/>
+              <a:t>I have a few questions for you before proceeding:</a:t>
+            </a:r>
+          </a:p>
+          <a:p>
+            <a:pPr marL="457200" indent="-457200">
+              <a:buFont typeface="+mj-lt"/>
+              <a:buAutoNum type="arabicPeriod"/>
+            </a:pPr>
+            <a:r>
+              <a:rPr lang="en-US" dirty="0"/>
+              <a:t>What is the purpose for this data collection?</a:t>
+            </a:r>
+          </a:p>
+          <a:p>
+            <a:pPr marL="457200" indent="-457200">
+              <a:buFont typeface="+mj-lt"/>
+              <a:buAutoNum type="arabicPeriod"/>
+            </a:pPr>
+            <a:r>
+              <a:rPr lang="en-US" dirty="0"/>
+              <a:t>What data points (features/columns) would you like me to collect?</a:t>
+            </a:r>
+          </a:p>
+          <a:p>
+            <a:pPr marL="457200" indent="-457200">
+              <a:buFont typeface="+mj-lt"/>
+              <a:buAutoNum type="arabicPeriod"/>
+            </a:pPr>
+            <a:r>
+              <a:rPr lang="en-US" dirty="0"/>
+              <a:t>How often would you like to see Data reports? Do you have any important metrics that you want to track?</a:t>
+            </a:r>
+          </a:p>
+          <a:p>
+            <a:pPr marL="0" indent="0">
+              <a:buNone/>
+            </a:pPr>
+            <a:r>
+              <a:rPr lang="en-US" dirty="0"/>
+              <a:t>Thank you very much</a:t>
+            </a:r>
+          </a:p>
+          <a:p>
+            <a:endParaRPr lang="en-US" dirty="0"/>
+          </a:p>
+          <a:p>
+            <a:endParaRPr lang="en-US" dirty="0"/>
+          </a:p>
+        </p:txBody>
+      </p:sp>
+      <p:sp>
+        <p:nvSpPr>
+          <p:cNvPr id="4" name="Title 1">
+            <a:extLst>
+              <a:ext uri="{FF2B5EF4-FFF2-40B4-BE49-F238E27FC236}">
+                <a16:creationId xmlns:a16="http://schemas.microsoft.com/office/drawing/2014/main" id="{69E541EE-ED87-FC45-8320-6DECF223E54A}"/>
+              </a:ext>
+            </a:extLst>
+          </p:cNvPr>
+          <p:cNvSpPr>
+            <a:spLocks noGrp="1"/>
+          </p:cNvSpPr>
+          <p:nvPr>
+            <p:ph type="title"/>
+          </p:nvPr>
+        </p:nvSpPr>
+        <p:spPr/>
+        <p:txBody>
+          <a:bodyPr/>
+          <a:lstStyle/>
+          <a:p>
+            <a:r>
+              <a:rPr lang="en-US" dirty="0"/>
+              <a:t>Identify people to contact</a:t>
+            </a:r>
+          </a:p>
+        </p:txBody>
+      </p:sp>
+    </p:spTree>
+    <p:extLst>
+      <p:ext uri="{BB962C8B-B14F-4D97-AF65-F5344CB8AC3E}">
+        <p14:creationId xmlns:p14="http://schemas.microsoft.com/office/powerpoint/2010/main" val="2413609431"/>
+      </p:ext>
+    </p:extLst>
+  </p:cSld>
+  <p:clrMapOvr>
+    <a:masterClrMapping/>
+  </p:clrMapOvr>
+</p:sld>
+</file>
+
+<file path=ppt/slides/slide5.xml><?xml version="1.0" encoding="utf-8"?>
+<p:sld xmlns:a="http://schemas.openxmlformats.org/drawingml/2006/main" xmlns:r="http://schemas.openxmlformats.org/officeDocument/2006/relationships" xmlns:p="http://schemas.openxmlformats.org/presentationml/2006/main">
+  <p:cSld>
+    <p:spTree>
+      <p:nvGrpSpPr>
+        <p:cNvPr id="1" name=""/>
+        <p:cNvGrpSpPr/>
+        <p:nvPr/>
+      </p:nvGrpSpPr>
+      <p:grpSpPr>
+        <a:xfrm>
+          <a:off x="0" y="0"/>
+          <a:ext cx="0" cy="0"/>
+          <a:chOff x="0" y="0"/>
+          <a:chExt cx="0" cy="0"/>
+        </a:xfrm>
+      </p:grpSpPr>
+      <p:sp>
+        <p:nvSpPr>
+          <p:cNvPr id="2" name="Title 1">
+            <a:extLst>
+              <a:ext uri="{FF2B5EF4-FFF2-40B4-BE49-F238E27FC236}">
+                <a16:creationId xmlns:a16="http://schemas.microsoft.com/office/drawing/2014/main" id="{B3C772CB-E8CB-764E-8E4E-50B26A2A4B5F}"/>
+              </a:ext>
+            </a:extLst>
+          </p:cNvPr>
+          <p:cNvSpPr>
+            <a:spLocks noGrp="1"/>
+          </p:cNvSpPr>
+          <p:nvPr>
+            <p:ph type="title"/>
+          </p:nvPr>
+        </p:nvSpPr>
+        <p:spPr/>
+        <p:txBody>
+          <a:bodyPr/>
+          <a:lstStyle/>
+          <a:p>
+            <a:r>
+              <a:rPr lang="en-US" dirty="0"/>
+              <a:t>Identify people to contact</a:t>
+            </a:r>
+          </a:p>
+        </p:txBody>
+      </p:sp>
+      <p:sp>
+        <p:nvSpPr>
+          <p:cNvPr id="3" name="Content Placeholder 2">
+            <a:extLst>
+              <a:ext uri="{FF2B5EF4-FFF2-40B4-BE49-F238E27FC236}">
+                <a16:creationId xmlns:a16="http://schemas.microsoft.com/office/drawing/2014/main" id="{83CBB26A-8387-AE42-9747-8468B5E88C60}"/>
+              </a:ext>
+            </a:extLst>
+          </p:cNvPr>
+          <p:cNvSpPr>
+            <a:spLocks noGrp="1"/>
+          </p:cNvSpPr>
+          <p:nvPr>
+            <p:ph idx="1"/>
+          </p:nvPr>
+        </p:nvSpPr>
+        <p:spPr>
+          <a:xfrm>
+            <a:off x="859536" y="1984248"/>
+            <a:ext cx="10442448" cy="4489704"/>
+          </a:xfrm>
+        </p:spPr>
+        <p:txBody>
+          <a:bodyPr>
+            <a:normAutofit fontScale="85000" lnSpcReduction="20000"/>
+          </a:bodyPr>
+          <a:lstStyle/>
+          <a:p>
+            <a:r>
+              <a:rPr lang="en-US" u="sng" dirty="0">
+                <a:solidFill>
+                  <a:schemeClr val="accent2"/>
+                </a:solidFill>
+              </a:rPr>
+              <a:t>Student Information System, Powerschool Customer Success:</a:t>
+            </a:r>
+          </a:p>
+          <a:p>
+            <a:r>
+              <a:rPr lang="en-US" dirty="0"/>
+              <a:t>Dear Powerschool Customer Success team, </a:t>
+            </a:r>
+          </a:p>
+          <a:p>
+            <a:r>
+              <a:rPr lang="en-US" dirty="0"/>
+              <a:t>Our organization, The Primary School, is using your platform as a Database Management System to store information from our students.</a:t>
+            </a:r>
+          </a:p>
+          <a:p>
+            <a:r>
+              <a:rPr lang="en-US" dirty="0"/>
+              <a:t>Recently, our team has asked us to collect and store data for our Case Management department and we have a few questions for you before we proceed with this task:</a:t>
+            </a:r>
+          </a:p>
+          <a:p>
+            <a:pPr marL="457200" indent="-457200">
+              <a:buFont typeface="+mj-lt"/>
+              <a:buAutoNum type="arabicPeriod"/>
+            </a:pPr>
+            <a:r>
+              <a:rPr lang="en-US" dirty="0"/>
+              <a:t>Where should we allocate a space in your system to store our Case Management data?</a:t>
+            </a:r>
+          </a:p>
+          <a:p>
+            <a:pPr marL="457200" indent="-457200">
+              <a:buFont typeface="+mj-lt"/>
+              <a:buAutoNum type="arabicPeriod"/>
+            </a:pPr>
+            <a:r>
+              <a:rPr lang="en-US" dirty="0"/>
+              <a:t>Will I be able to retrieve the Case Management datasets easily in any format? (e.g., Comma separated values CSV). </a:t>
+            </a:r>
+          </a:p>
+          <a:p>
+            <a:pPr marL="457200" indent="-457200">
+              <a:buFont typeface="+mj-lt"/>
+              <a:buAutoNum type="arabicPeriod"/>
+            </a:pPr>
+            <a:r>
+              <a:rPr lang="en-US" dirty="0"/>
+              <a:t>What DBMS system does Powerschool use? Does it use MySQL or PSQL? Would you be able to share the database schema with us?</a:t>
+            </a:r>
+          </a:p>
+          <a:p>
+            <a:pPr marL="457200" indent="-457200">
+              <a:buFont typeface="+mj-lt"/>
+              <a:buAutoNum type="arabicPeriod"/>
+            </a:pPr>
+            <a:r>
+              <a:rPr lang="en-US" dirty="0"/>
+              <a:t>Does Powerschool have an API—Will I be able to automate the retrieval process by connecting to the API? </a:t>
+            </a:r>
+          </a:p>
+          <a:p>
+            <a:r>
+              <a:rPr lang="en-US" dirty="0"/>
+              <a:t>Thank you very much</a:t>
+            </a:r>
+          </a:p>
+          <a:p>
+            <a:endParaRPr lang="en-US" dirty="0"/>
+          </a:p>
+        </p:txBody>
+      </p:sp>
+    </p:spTree>
+    <p:extLst>
+      <p:ext uri="{BB962C8B-B14F-4D97-AF65-F5344CB8AC3E}">
+        <p14:creationId xmlns:p14="http://schemas.microsoft.com/office/powerpoint/2010/main" val="1376279723"/>
+      </p:ext>
+    </p:extLst>
+  </p:cSld>
+  <p:clrMapOvr>
+    <a:masterClrMapping/>
+  </p:clrMapOvr>
+</p:sld>
+</file>
+
+<file path=ppt/slides/slide6.xml><?xml version="1.0" encoding="utf-8"?>
+<p:sld xmlns:a="http://schemas.openxmlformats.org/drawingml/2006/main" xmlns:r="http://schemas.openxmlformats.org/officeDocument/2006/relationships" xmlns:p="http://schemas.openxmlformats.org/presentationml/2006/main">
+  <p:cSld>
+    <p:spTree>
+      <p:nvGrpSpPr>
+        <p:cNvPr id="1" name=""/>
+        <p:cNvGrpSpPr/>
+        <p:nvPr/>
+      </p:nvGrpSpPr>
+      <p:grpSpPr>
+        <a:xfrm>
+          <a:off x="0" y="0"/>
+          <a:ext cx="0" cy="0"/>
+          <a:chOff x="0" y="0"/>
+          <a:chExt cx="0" cy="0"/>
+        </a:xfrm>
+      </p:grpSpPr>
+      <p:sp>
+        <p:nvSpPr>
+          <p:cNvPr id="2" name="Title 1">
+            <a:extLst>
+              <a:ext uri="{FF2B5EF4-FFF2-40B4-BE49-F238E27FC236}">
+                <a16:creationId xmlns:a16="http://schemas.microsoft.com/office/drawing/2014/main" id="{60955066-D25A-B547-8E46-0B3B03FC516E}"/>
+              </a:ext>
+            </a:extLst>
+          </p:cNvPr>
+          <p:cNvSpPr>
+            <a:spLocks noGrp="1"/>
+          </p:cNvSpPr>
+          <p:nvPr>
+            <p:ph type="title"/>
+          </p:nvPr>
+        </p:nvSpPr>
+        <p:spPr/>
+        <p:txBody>
+          <a:bodyPr/>
+          <a:lstStyle/>
+          <a:p>
+            <a:r>
+              <a:rPr lang="en-US" dirty="0"/>
+              <a:t>Design Schema/Structure	</a:t>
+            </a:r>
+          </a:p>
+        </p:txBody>
+      </p:sp>
+      <p:sp>
+        <p:nvSpPr>
+          <p:cNvPr id="3" name="Content Placeholder 2">
+            <a:extLst>
+              <a:ext uri="{FF2B5EF4-FFF2-40B4-BE49-F238E27FC236}">
+                <a16:creationId xmlns:a16="http://schemas.microsoft.com/office/drawing/2014/main" id="{E16B0A9C-C6A0-2A43-9CCD-C18036B10665}"/>
+              </a:ext>
+            </a:extLst>
+          </p:cNvPr>
+          <p:cNvSpPr>
+            <a:spLocks noGrp="1"/>
+          </p:cNvSpPr>
+          <p:nvPr>
+            <p:ph idx="1"/>
+          </p:nvPr>
+        </p:nvSpPr>
+        <p:spPr/>
+        <p:txBody>
+          <a:bodyPr>
+            <a:normAutofit fontScale="92500" lnSpcReduction="20000"/>
+          </a:bodyPr>
+          <a:lstStyle/>
+          <a:p>
+            <a:r>
+              <a:rPr lang="en-US" dirty="0"/>
+              <a:t>After getting essential information from the team, I will build the outline/structure for the Case Management Data Project.</a:t>
+            </a:r>
+          </a:p>
+          <a:p>
+            <a:pPr>
+              <a:buFont typeface="Arial" panose="020B0604020202020204" pitchFamily="34" charset="0"/>
+              <a:buChar char="•"/>
+            </a:pPr>
+            <a:r>
+              <a:rPr lang="en-US" dirty="0"/>
+              <a:t> The datasets will be located within our organization’s database. (Powerhouse)</a:t>
+            </a:r>
+          </a:p>
+          <a:p>
+            <a:pPr>
+              <a:buFont typeface="Arial" panose="020B0604020202020204" pitchFamily="34" charset="0"/>
+              <a:buChar char="•"/>
+            </a:pPr>
+            <a:r>
+              <a:rPr lang="en-US" dirty="0"/>
+              <a:t> Data Entry will be done manually by our staff</a:t>
+            </a:r>
+            <a:r>
+              <a:rPr lang="en-US" dirty="0">
+                <a:solidFill>
+                  <a:schemeClr val="accent2"/>
+                </a:solidFill>
+              </a:rPr>
+              <a:t>. (training required)</a:t>
+            </a:r>
+          </a:p>
+          <a:p>
+            <a:pPr>
+              <a:buFont typeface="Arial" panose="020B0604020202020204" pitchFamily="34" charset="0"/>
+              <a:buChar char="•"/>
+            </a:pPr>
+            <a:r>
+              <a:rPr lang="en-US" dirty="0">
+                <a:solidFill>
+                  <a:schemeClr val="accent2"/>
+                </a:solidFill>
+              </a:rPr>
+              <a:t> </a:t>
+            </a:r>
+            <a:r>
+              <a:rPr lang="en-US" dirty="0"/>
+              <a:t>Access to the API is possible, so the pipeline will be written in Python (programming language).</a:t>
+            </a:r>
+          </a:p>
+          <a:p>
+            <a:pPr>
+              <a:buFont typeface="Arial" panose="020B0604020202020204" pitchFamily="34" charset="0"/>
+              <a:buChar char="•"/>
+            </a:pPr>
+            <a:r>
+              <a:rPr lang="en-US" dirty="0"/>
+              <a:t> Code will be uploaded on a Private Repository on </a:t>
+            </a:r>
+            <a:r>
+              <a:rPr lang="en-US" dirty="0" err="1"/>
+              <a:t>Github</a:t>
+            </a:r>
+            <a:r>
+              <a:rPr lang="en-US" dirty="0"/>
+              <a:t> (it will have extensive documentation).</a:t>
+            </a:r>
+          </a:p>
+          <a:p>
+            <a:pPr>
+              <a:buFont typeface="Arial" panose="020B0604020202020204" pitchFamily="34" charset="0"/>
+              <a:buChar char="•"/>
+            </a:pPr>
+            <a:r>
+              <a:rPr lang="en-US" dirty="0"/>
+              <a:t> The pipeline retrieves the dataset from Powerhouse and automates the dashboard in Tableau.</a:t>
+            </a:r>
+          </a:p>
+          <a:p>
+            <a:pPr>
+              <a:buFont typeface="Arial" panose="020B0604020202020204" pitchFamily="34" charset="0"/>
+              <a:buChar char="•"/>
+            </a:pPr>
+            <a:r>
+              <a:rPr lang="en-US" dirty="0"/>
+              <a:t> Have a clear idea of what data points / columns / features will be required for data entry by the staff.</a:t>
+            </a:r>
+          </a:p>
+          <a:p>
+            <a:pPr>
+              <a:buFont typeface="Arial" panose="020B0604020202020204" pitchFamily="34" charset="0"/>
+              <a:buChar char="•"/>
+            </a:pPr>
+            <a:r>
+              <a:rPr lang="en-US" dirty="0"/>
+              <a:t> Identify data metrics that will be useful for the team (data quality, trends, performance).</a:t>
+            </a:r>
+          </a:p>
+          <a:p>
+            <a:pPr>
+              <a:buFont typeface="Arial" panose="020B0604020202020204" pitchFamily="34" charset="0"/>
+              <a:buChar char="•"/>
+            </a:pPr>
+            <a:endParaRPr lang="en-US" dirty="0"/>
+          </a:p>
+        </p:txBody>
+      </p:sp>
+    </p:spTree>
+    <p:extLst>
+      <p:ext uri="{BB962C8B-B14F-4D97-AF65-F5344CB8AC3E}">
+        <p14:creationId xmlns:p14="http://schemas.microsoft.com/office/powerpoint/2010/main" val="2609761960"/>
+      </p:ext>
+    </p:extLst>
+  </p:cSld>
+  <p:clrMapOvr>
+    <a:masterClrMapping/>
+  </p:clrMapOvr>
+</p:sld>
+</file>
+
+<file path=ppt/slides/slide7.xml><?xml version="1.0" encoding="utf-8"?>
+<p:sld xmlns:a="http://schemas.openxmlformats.org/drawingml/2006/main" xmlns:r="http://schemas.openxmlformats.org/officeDocument/2006/relationships" xmlns:p="http://schemas.openxmlformats.org/presentationml/2006/main">
+  <p:cSld>
+    <p:spTree>
+      <p:nvGrpSpPr>
+        <p:cNvPr id="1" name=""/>
+        <p:cNvGrpSpPr/>
+        <p:nvPr/>
+      </p:nvGrpSpPr>
+      <p:grpSpPr>
+        <a:xfrm>
+          <a:off x="0" y="0"/>
+          <a:ext cx="0" cy="0"/>
+          <a:chOff x="0" y="0"/>
+          <a:chExt cx="0" cy="0"/>
+        </a:xfrm>
+      </p:grpSpPr>
+      <p:sp>
+        <p:nvSpPr>
+          <p:cNvPr id="2" name="Title 1">
+            <a:extLst>
+              <a:ext uri="{FF2B5EF4-FFF2-40B4-BE49-F238E27FC236}">
+                <a16:creationId xmlns:a16="http://schemas.microsoft.com/office/drawing/2014/main" id="{969E6A9F-AC23-BD46-9AE6-699472D1A178}"/>
+              </a:ext>
+            </a:extLst>
+          </p:cNvPr>
+          <p:cNvSpPr>
+            <a:spLocks noGrp="1"/>
+          </p:cNvSpPr>
+          <p:nvPr>
+            <p:ph type="title"/>
+          </p:nvPr>
+        </p:nvSpPr>
+        <p:spPr/>
+        <p:txBody>
+          <a:bodyPr/>
+          <a:lstStyle/>
+          <a:p>
+            <a:r>
+              <a:rPr lang="en-US" dirty="0"/>
+              <a:t>Train Team to the System &amp; Data Entry</a:t>
+            </a:r>
+          </a:p>
+        </p:txBody>
+      </p:sp>
+      <p:sp>
+        <p:nvSpPr>
+          <p:cNvPr id="3" name="Content Placeholder 2">
+            <a:extLst>
+              <a:ext uri="{FF2B5EF4-FFF2-40B4-BE49-F238E27FC236}">
+                <a16:creationId xmlns:a16="http://schemas.microsoft.com/office/drawing/2014/main" id="{B41A2EAA-C697-DB47-9C35-1AE8C2DD4E12}"/>
+              </a:ext>
+            </a:extLst>
+          </p:cNvPr>
+          <p:cNvSpPr>
+            <a:spLocks noGrp="1"/>
+          </p:cNvSpPr>
+          <p:nvPr>
+            <p:ph idx="1"/>
+          </p:nvPr>
+        </p:nvSpPr>
+        <p:spPr>
+          <a:xfrm>
+            <a:off x="1024127" y="2406586"/>
+            <a:ext cx="9720073" cy="4023360"/>
+          </a:xfrm>
+        </p:spPr>
+        <p:txBody>
+          <a:bodyPr>
+            <a:normAutofit/>
+          </a:bodyPr>
+          <a:lstStyle/>
+          <a:p>
+            <a:r>
+              <a:rPr lang="en-US" dirty="0"/>
+              <a:t>In order to have an effective Data Collection, I need to have clear documentation for the entire process, which facilitates all team members to understand the project.</a:t>
+            </a:r>
+          </a:p>
+          <a:p>
+            <a:pPr>
+              <a:buFont typeface="Arial" panose="020B0604020202020204" pitchFamily="34" charset="0"/>
+              <a:buChar char="•"/>
+            </a:pPr>
+            <a:r>
+              <a:rPr lang="en-US" dirty="0"/>
+              <a:t> I anticipate that Powerhouse has a great User Interface (UI), so that our staff will have an easy access to their available tools.</a:t>
+            </a:r>
+          </a:p>
+          <a:p>
+            <a:pPr>
+              <a:buFont typeface="Arial" panose="020B0604020202020204" pitchFamily="34" charset="0"/>
+              <a:buChar char="•"/>
+            </a:pPr>
+            <a:r>
+              <a:rPr lang="en-US" dirty="0"/>
+              <a:t> Training will be given to the staff to follow the guideline and to respond to their questions.</a:t>
+            </a:r>
+          </a:p>
+          <a:p>
+            <a:pPr marL="457200" lvl="3" indent="0">
+              <a:buNone/>
+            </a:pPr>
+            <a:endParaRPr lang="en-US" dirty="0"/>
+          </a:p>
+        </p:txBody>
+      </p:sp>
+    </p:spTree>
+    <p:extLst>
+      <p:ext uri="{BB962C8B-B14F-4D97-AF65-F5344CB8AC3E}">
+        <p14:creationId xmlns:p14="http://schemas.microsoft.com/office/powerpoint/2010/main" val="2495972191"/>
+      </p:ext>
+    </p:extLst>
+  </p:cSld>
+  <p:clrMapOvr>
+    <a:masterClrMapping/>
+  </p:clrMapOvr>
+</p:sld>
+</file>
+
+<file path=ppt/slides/slide8.xml><?xml version="1.0" encoding="utf-8"?>
+<p:sld xmlns:a="http://schemas.openxmlformats.org/drawingml/2006/main" xmlns:r="http://schemas.openxmlformats.org/officeDocument/2006/relationships" xmlns:p="http://schemas.openxmlformats.org/presentationml/2006/main">
+  <p:cSld>
+    <p:spTree>
+      <p:nvGrpSpPr>
+        <p:cNvPr id="1" name=""/>
+        <p:cNvGrpSpPr/>
+        <p:nvPr/>
+      </p:nvGrpSpPr>
+      <p:grpSpPr>
+        <a:xfrm>
+          <a:off x="0" y="0"/>
+          <a:ext cx="0" cy="0"/>
+          <a:chOff x="0" y="0"/>
+          <a:chExt cx="0" cy="0"/>
+        </a:xfrm>
+      </p:grpSpPr>
+      <p:sp>
+        <p:nvSpPr>
+          <p:cNvPr id="2" name="Title 1">
+            <a:extLst>
+              <a:ext uri="{FF2B5EF4-FFF2-40B4-BE49-F238E27FC236}">
+                <a16:creationId xmlns:a16="http://schemas.microsoft.com/office/drawing/2014/main" id="{4ED37785-D135-ED46-8B1F-7BC957F735C4}"/>
+              </a:ext>
+            </a:extLst>
+          </p:cNvPr>
+          <p:cNvSpPr>
+            <a:spLocks noGrp="1"/>
+          </p:cNvSpPr>
+          <p:nvPr>
+            <p:ph type="title"/>
+          </p:nvPr>
+        </p:nvSpPr>
+        <p:spPr/>
+        <p:txBody>
+          <a:bodyPr/>
+          <a:lstStyle/>
+          <a:p>
+            <a:r>
+              <a:rPr lang="en-US" dirty="0"/>
+              <a:t>Train Team to the System &amp; Data Entry</a:t>
+            </a:r>
+          </a:p>
+        </p:txBody>
+      </p:sp>
+      <p:sp>
+        <p:nvSpPr>
+          <p:cNvPr id="3" name="Content Placeholder 2">
+            <a:extLst>
+              <a:ext uri="{FF2B5EF4-FFF2-40B4-BE49-F238E27FC236}">
+                <a16:creationId xmlns:a16="http://schemas.microsoft.com/office/drawing/2014/main" id="{59AD8251-0457-A94A-B04E-7DE8440513AA}"/>
+              </a:ext>
+            </a:extLst>
+          </p:cNvPr>
+          <p:cNvSpPr>
+            <a:spLocks noGrp="1"/>
+          </p:cNvSpPr>
+          <p:nvPr>
+            <p:ph idx="1"/>
+          </p:nvPr>
+        </p:nvSpPr>
+        <p:spPr/>
+        <p:txBody>
+          <a:bodyPr/>
+          <a:lstStyle/>
+          <a:p>
+            <a:pPr lvl="0">
+              <a:buClr>
+                <a:srgbClr val="1CADE4"/>
+              </a:buClr>
+              <a:buFont typeface="Arial" panose="020B0604020202020204" pitchFamily="34" charset="0"/>
+              <a:buChar char="•"/>
+            </a:pPr>
+            <a:r>
+              <a:rPr lang="en-US" dirty="0">
+                <a:solidFill>
+                  <a:prstClr val="black"/>
+                </a:solidFill>
+              </a:rPr>
+              <a:t> Points to cover during training:</a:t>
+            </a:r>
+          </a:p>
+          <a:p>
+            <a:pPr marL="800100" lvl="3" indent="-342900">
+              <a:buClr>
+                <a:srgbClr val="1CADE4"/>
+              </a:buClr>
+              <a:buFont typeface="+mj-lt"/>
+              <a:buAutoNum type="arabicPeriod"/>
+            </a:pPr>
+            <a:r>
+              <a:rPr lang="en-US" sz="1800" dirty="0">
+                <a:solidFill>
+                  <a:prstClr val="black"/>
+                </a:solidFill>
+              </a:rPr>
+              <a:t>The project will be located within the same application (Powerhouse), which is easily accessible from the main Dashboard.</a:t>
+            </a:r>
+          </a:p>
+          <a:p>
+            <a:pPr marL="800100" lvl="3" indent="-342900">
+              <a:buClr>
+                <a:srgbClr val="1CADE4"/>
+              </a:buClr>
+              <a:buFont typeface="+mj-lt"/>
+              <a:buAutoNum type="arabicPeriod"/>
+            </a:pPr>
+            <a:r>
+              <a:rPr lang="en-US" sz="1800" dirty="0">
+                <a:solidFill>
+                  <a:prstClr val="black"/>
+                </a:solidFill>
+              </a:rPr>
+              <a:t>All Staff members assigned to the project will have edit access.</a:t>
+            </a:r>
+          </a:p>
+          <a:p>
+            <a:pPr marL="800100" lvl="3" indent="-342900">
+              <a:buClr>
+                <a:srgbClr val="1CADE4"/>
+              </a:buClr>
+              <a:buFont typeface="+mj-lt"/>
+              <a:buAutoNum type="arabicPeriod"/>
+            </a:pPr>
+            <a:r>
+              <a:rPr lang="en-US" sz="1800" dirty="0">
+                <a:solidFill>
+                  <a:prstClr val="black"/>
+                </a:solidFill>
+              </a:rPr>
+              <a:t>We want to have an accurate data entry (no errors and no missing values). If there are missing values, please write a note with specifications.</a:t>
+            </a:r>
+          </a:p>
+          <a:p>
+            <a:pPr marL="800100" lvl="3" indent="-342900">
+              <a:buClr>
+                <a:srgbClr val="1CADE4"/>
+              </a:buClr>
+              <a:buFont typeface="+mj-lt"/>
+              <a:buAutoNum type="arabicPeriod"/>
+            </a:pPr>
+            <a:r>
+              <a:rPr lang="en-US" sz="1800" dirty="0">
+                <a:solidFill>
+                  <a:prstClr val="black"/>
+                </a:solidFill>
+              </a:rPr>
+              <a:t>Please follow the Language Guidelines which state our language requirements (formal, clear, concise).</a:t>
+            </a:r>
+          </a:p>
+          <a:p>
+            <a:pPr marL="800100" lvl="3" indent="-342900">
+              <a:buClr>
+                <a:srgbClr val="1CADE4"/>
+              </a:buClr>
+              <a:buFont typeface="+mj-lt"/>
+              <a:buAutoNum type="arabicPeriod"/>
+            </a:pPr>
+            <a:r>
+              <a:rPr lang="en-US" sz="1800" dirty="0">
+                <a:solidFill>
+                  <a:prstClr val="black"/>
+                </a:solidFill>
+              </a:rPr>
+              <a:t>If you encounter issues or if you believe you deleted important information, please contact me immediately.</a:t>
+            </a:r>
+          </a:p>
+        </p:txBody>
+      </p:sp>
+    </p:spTree>
+    <p:extLst>
+      <p:ext uri="{BB962C8B-B14F-4D97-AF65-F5344CB8AC3E}">
+        <p14:creationId xmlns:p14="http://schemas.microsoft.com/office/powerpoint/2010/main" val="13273003"/>
+      </p:ext>
+    </p:extLst>
+  </p:cSld>
+  <p:clrMapOvr>
+    <a:masterClrMapping/>
+  </p:clrMapOvr>
+</p:sld>
+</file>
+
+<file path=ppt/slides/slide9.xml><?xml version="1.0" encoding="utf-8"?>
+<p:sld xmlns:a="http://schemas.openxmlformats.org/drawingml/2006/main" xmlns:r="http://schemas.openxmlformats.org/officeDocument/2006/relationships" xmlns:p="http://schemas.openxmlformats.org/presentationml/2006/main">
+  <p:cSld>
+    <p:spTree>
+      <p:nvGrpSpPr>
+        <p:cNvPr id="1" name=""/>
+        <p:cNvGrpSpPr/>
+        <p:nvPr/>
+      </p:nvGrpSpPr>
+      <p:grpSpPr>
+        <a:xfrm>
+          <a:off x="0" y="0"/>
+          <a:ext cx="0" cy="0"/>
+          <a:chOff x="0" y="0"/>
+          <a:chExt cx="0" cy="0"/>
+        </a:xfrm>
+      </p:grpSpPr>
+      <p:sp>
+        <p:nvSpPr>
+          <p:cNvPr id="2" name="Title 1">
+            <a:extLst>
+              <a:ext uri="{FF2B5EF4-FFF2-40B4-BE49-F238E27FC236}">
+                <a16:creationId xmlns:a16="http://schemas.microsoft.com/office/drawing/2014/main" id="{3D064BC0-3C00-2D40-B7FA-AEA33407BEE5}"/>
+              </a:ext>
+            </a:extLst>
+          </p:cNvPr>
+          <p:cNvSpPr>
+            <a:spLocks noGrp="1"/>
+          </p:cNvSpPr>
+          <p:nvPr>
+            <p:ph type="title"/>
+          </p:nvPr>
+        </p:nvSpPr>
+        <p:spPr/>
+        <p:txBody>
+          <a:bodyPr/>
+          <a:lstStyle/>
+          <a:p>
+            <a:r>
+              <a:rPr lang="en-US" dirty="0"/>
+              <a:t>Automate Dashboard using Pipeline</a:t>
+            </a:r>
+          </a:p>
+        </p:txBody>
+      </p:sp>
+      <p:sp>
+        <p:nvSpPr>
+          <p:cNvPr id="3" name="Content Placeholder 2">
+            <a:extLst>
+              <a:ext uri="{FF2B5EF4-FFF2-40B4-BE49-F238E27FC236}">
+                <a16:creationId xmlns:a16="http://schemas.microsoft.com/office/drawing/2014/main" id="{D3573367-46E0-1B41-A966-650A04EE109A}"/>
+              </a:ext>
+            </a:extLst>
+          </p:cNvPr>
+          <p:cNvSpPr>
+            <a:spLocks noGrp="1"/>
+          </p:cNvSpPr>
+          <p:nvPr>
+            <p:ph idx="1"/>
+          </p:nvPr>
+        </p:nvSpPr>
+        <p:spPr/>
+        <p:txBody>
+          <a:bodyPr/>
+          <a:lstStyle/>
+          <a:p>
+            <a:pPr>
+              <a:buFont typeface="Arial" panose="020B0604020202020204" pitchFamily="34" charset="0"/>
+              <a:buChar char="•"/>
+            </a:pPr>
+            <a:r>
+              <a:rPr lang="en-US" dirty="0"/>
+              <a:t> The Data Pipeline will be written in Python, connecting to Powerhouse’s API.</a:t>
+            </a:r>
+          </a:p>
+          <a:p>
+            <a:pPr>
+              <a:buFont typeface="Arial" panose="020B0604020202020204" pitchFamily="34" charset="0"/>
+              <a:buChar char="•"/>
+            </a:pPr>
+            <a:r>
+              <a:rPr lang="en-US" dirty="0"/>
+              <a:t> The dataset will be preprocessed before creating the visualizations.</a:t>
+            </a:r>
+          </a:p>
+          <a:p>
+            <a:pPr>
+              <a:buFont typeface="Arial" panose="020B0604020202020204" pitchFamily="34" charset="0"/>
+              <a:buChar char="•"/>
+            </a:pPr>
+            <a:r>
+              <a:rPr lang="en-US" dirty="0"/>
+              <a:t> Tableau will host the Dashboard. </a:t>
+            </a:r>
+          </a:p>
+          <a:p>
+            <a:pPr>
+              <a:buFont typeface="Arial" panose="020B0604020202020204" pitchFamily="34" charset="0"/>
+              <a:buChar char="•"/>
+            </a:pPr>
+            <a:r>
+              <a:rPr lang="en-US" dirty="0"/>
+              <a:t> Key Metrics:</a:t>
+            </a:r>
+          </a:p>
+          <a:p>
+            <a:pPr lvl="2">
+              <a:buFont typeface="Arial" panose="020B0604020202020204" pitchFamily="34" charset="0"/>
+              <a:buChar char="•"/>
+            </a:pPr>
+            <a:r>
+              <a:rPr lang="en-US" sz="1800" dirty="0">
+                <a:solidFill>
+                  <a:schemeClr val="accent2"/>
+                </a:solidFill>
+              </a:rPr>
+              <a:t>Data Quality:</a:t>
+            </a:r>
+            <a:r>
+              <a:rPr lang="en-US" sz="1800" dirty="0"/>
+              <a:t> Completeness (no missing values), Accuracy (typos, wrong information), Uniqueness (no duplicates), Orderliness (follows specified format).</a:t>
+            </a:r>
+          </a:p>
+          <a:p>
+            <a:pPr lvl="2">
+              <a:buFont typeface="Arial" panose="020B0604020202020204" pitchFamily="34" charset="0"/>
+              <a:buChar char="•"/>
+            </a:pPr>
+            <a:r>
+              <a:rPr lang="en-US" sz="1800" dirty="0">
+                <a:solidFill>
+                  <a:schemeClr val="accent2"/>
+                </a:solidFill>
+              </a:rPr>
+              <a:t>Trends: </a:t>
+            </a:r>
+            <a:r>
+              <a:rPr lang="en-US" sz="1800" dirty="0"/>
+              <a:t>Is Case Management working efficiently? What is not working well and needs improvement? </a:t>
+            </a:r>
+          </a:p>
+          <a:p>
+            <a:pPr lvl="2">
+              <a:buFont typeface="Arial" panose="020B0604020202020204" pitchFamily="34" charset="0"/>
+              <a:buChar char="•"/>
+            </a:pPr>
+            <a:r>
+              <a:rPr lang="en-US" sz="1800" dirty="0">
+                <a:solidFill>
+                  <a:schemeClr val="accent2"/>
+                </a:solidFill>
+              </a:rPr>
+              <a:t>Performance: </a:t>
+            </a:r>
+            <a:r>
+              <a:rPr lang="en-US" sz="1800" dirty="0"/>
+              <a:t>Which Staff member needs to receive additional training? Do any of the families need a follow-up soon?</a:t>
+            </a:r>
+          </a:p>
+          <a:p>
+            <a:pPr marL="310896" lvl="2" indent="0">
+              <a:buNone/>
+            </a:pPr>
+            <a:endParaRPr lang="en-US" dirty="0"/>
+          </a:p>
+          <a:p>
+            <a:pPr lvl="1"/>
+            <a:r>
+              <a:rPr lang="en-US" dirty="0"/>
+              <a:t>Building the dashboard and implementing new metrics is a continuous work.	</a:t>
+            </a:r>
+          </a:p>
+        </p:txBody>
+      </p:sp>
+    </p:spTree>
+    <p:extLst>
+      <p:ext uri="{BB962C8B-B14F-4D97-AF65-F5344CB8AC3E}">
+        <p14:creationId xmlns:p14="http://schemas.microsoft.com/office/powerpoint/2010/main" val="3744428023"/>
       </p:ext>
     </p:extLst>
   </p:cSld>

--- a/Task 1.pptx
+++ b/Task 1.pptx
@@ -113,6 +113,11 @@
       </a:defRPr>
     </a:lvl9pPr>
   </p:defaultTextStyle>
+  <p:extLst>
+    <p:ext uri="{EFAFB233-063F-42B5-8137-9DF3F51BA10A}">
+      <p15:sldGuideLst xmlns:p15="http://schemas.microsoft.com/office/powerpoint/2012/main"/>
+    </p:ext>
+  </p:extLst>
 </p:presentation>
 </file>
 
@@ -8910,7 +8915,7 @@
             <a:fld id="{5586B75A-687E-405C-8A0B-8D00578BA2C3}" type="datetimeFigureOut">
               <a:rPr lang="en-US" smtClean="0"/>
               <a:pPr/>
-              <a:t>4/5/21</a:t>
+              <a:t>4/6/21</a:t>
             </a:fld>
             <a:endParaRPr lang="en-US" dirty="0"/>
           </a:p>
@@ -9119,7 +9124,7 @@
             <a:fld id="{5586B75A-687E-405C-8A0B-8D00578BA2C3}" type="datetimeFigureOut">
               <a:rPr lang="en-US" smtClean="0"/>
               <a:pPr/>
-              <a:t>4/5/21</a:t>
+              <a:t>4/6/21</a:t>
             </a:fld>
             <a:endParaRPr lang="en-US" dirty="0"/>
           </a:p>
@@ -9301,7 +9306,7 @@
             <a:fld id="{5586B75A-687E-405C-8A0B-8D00578BA2C3}" type="datetimeFigureOut">
               <a:rPr lang="en-US" smtClean="0"/>
               <a:pPr/>
-              <a:t>4/5/21</a:t>
+              <a:t>4/6/21</a:t>
             </a:fld>
             <a:endParaRPr lang="en-US" dirty="0"/>
           </a:p>
@@ -9508,7 +9513,7 @@
             <a:fld id="{5586B75A-687E-405C-8A0B-8D00578BA2C3}" type="datetimeFigureOut">
               <a:rPr lang="en-US" smtClean="0"/>
               <a:pPr/>
-              <a:t>4/5/21</a:t>
+              <a:t>4/6/21</a:t>
             </a:fld>
             <a:endParaRPr lang="en-US" dirty="0"/>
           </a:p>
@@ -18408,7 +18413,7 @@
             <a:fld id="{5586B75A-687E-405C-8A0B-8D00578BA2C3}" type="datetimeFigureOut">
               <a:rPr lang="en-US" smtClean="0"/>
               <a:pPr/>
-              <a:t>4/5/21</a:t>
+              <a:t>4/6/21</a:t>
             </a:fld>
             <a:endParaRPr lang="en-US" dirty="0"/>
           </a:p>
@@ -18684,7 +18689,7 @@
             <a:fld id="{5586B75A-687E-405C-8A0B-8D00578BA2C3}" type="datetimeFigureOut">
               <a:rPr lang="en-US" smtClean="0"/>
               <a:pPr/>
-              <a:t>4/5/21</a:t>
+              <a:t>4/6/21</a:t>
             </a:fld>
             <a:endParaRPr lang="en-US" dirty="0"/>
           </a:p>
@@ -19084,7 +19089,7 @@
             <a:fld id="{5586B75A-687E-405C-8A0B-8D00578BA2C3}" type="datetimeFigureOut">
               <a:rPr lang="en-US" smtClean="0"/>
               <a:pPr/>
-              <a:t>4/5/21</a:t>
+              <a:t>4/6/21</a:t>
             </a:fld>
             <a:endParaRPr lang="en-US" dirty="0"/>
           </a:p>
@@ -19204,7 +19209,7 @@
             <a:fld id="{5586B75A-687E-405C-8A0B-8D00578BA2C3}" type="datetimeFigureOut">
               <a:rPr lang="en-US" smtClean="0"/>
               <a:pPr/>
-              <a:t>4/5/21</a:t>
+              <a:t>4/6/21</a:t>
             </a:fld>
             <a:endParaRPr lang="en-US" dirty="0"/>
           </a:p>
@@ -19301,7 +19306,7 @@
             <a:fld id="{5586B75A-687E-405C-8A0B-8D00578BA2C3}" type="datetimeFigureOut">
               <a:rPr lang="en-US" smtClean="0"/>
               <a:pPr/>
-              <a:t>4/5/21</a:t>
+              <a:t>4/6/21</a:t>
             </a:fld>
             <a:endParaRPr lang="en-US" dirty="0"/>
           </a:p>
@@ -19593,7 +19598,7 @@
             <a:fld id="{5586B75A-687E-405C-8A0B-8D00578BA2C3}" type="datetimeFigureOut">
               <a:rPr lang="en-US" smtClean="0"/>
               <a:pPr/>
-              <a:t>4/5/21</a:t>
+              <a:t>4/6/21</a:t>
             </a:fld>
             <a:endParaRPr lang="en-US" dirty="0"/>
           </a:p>
@@ -19875,7 +19880,7 @@
             <a:fld id="{5586B75A-687E-405C-8A0B-8D00578BA2C3}" type="datetimeFigureOut">
               <a:rPr lang="en-US" smtClean="0"/>
               <a:pPr/>
-              <a:t>4/5/21</a:t>
+              <a:t>4/6/21</a:t>
             </a:fld>
             <a:endParaRPr lang="en-US" dirty="0"/>
           </a:p>
@@ -20127,7 +20132,7 @@
             <a:fld id="{5586B75A-687E-405C-8A0B-8D00578BA2C3}" type="datetimeFigureOut">
               <a:rPr lang="en-US" smtClean="0"/>
               <a:pPr/>
-              <a:t>4/5/21</a:t>
+              <a:t>4/6/21</a:t>
             </a:fld>
             <a:endParaRPr lang="en-US" dirty="0"/>
           </a:p>
